--- a/projects/easyBackup/easyBackupPresentation.pptx
+++ b/projects/easyBackup/easyBackupPresentation.pptx
@@ -317,7 +317,7 @@
           <a:p>
             <a:fld id="{D728701E-CAF4-4159-9B3E-41C86DFFA30D}" type="datetimeFigureOut">
               <a:rPr lang="en-US" smtClean="0"/>
-              <a:t>26/05/2014</a:t>
+              <a:t>12/06/14</a:t>
             </a:fld>
             <a:endParaRPr lang="en-US"/>
           </a:p>
@@ -771,7 +771,7 @@
           <a:p>
             <a:fld id="{D728701E-CAF4-4159-9B3E-41C86DFFA30D}" type="datetimeFigureOut">
               <a:rPr lang="en-US" smtClean="0"/>
-              <a:t>26/05/2014</a:t>
+              <a:t>12/06/14</a:t>
             </a:fld>
             <a:endParaRPr lang="en-US"/>
           </a:p>
@@ -1426,7 +1426,7 @@
           <a:p>
             <a:fld id="{D728701E-CAF4-4159-9B3E-41C86DFFA30D}" type="datetimeFigureOut">
               <a:rPr lang="en-US" smtClean="0"/>
-              <a:t>26/05/2014</a:t>
+              <a:t>12/06/14</a:t>
             </a:fld>
             <a:endParaRPr lang="en-US"/>
           </a:p>
@@ -1562,7 +1562,7 @@
           <a:p>
             <a:fld id="{D728701E-CAF4-4159-9B3E-41C86DFFA30D}" type="datetimeFigureOut">
               <a:rPr lang="en-US" smtClean="0"/>
-              <a:t>26/05/2014</a:t>
+              <a:t>12/06/14</a:t>
             </a:fld>
             <a:endParaRPr lang="en-US"/>
           </a:p>
@@ -1928,7 +1928,7 @@
           <a:p>
             <a:fld id="{D728701E-CAF4-4159-9B3E-41C86DFFA30D}" type="datetimeFigureOut">
               <a:rPr lang="en-US" smtClean="0"/>
-              <a:t>26/05/2014</a:t>
+              <a:t>12/06/14</a:t>
             </a:fld>
             <a:endParaRPr lang="en-US"/>
           </a:p>
@@ -2254,7 +2254,7 @@
           <a:p>
             <a:fld id="{D728701E-CAF4-4159-9B3E-41C86DFFA30D}" type="datetimeFigureOut">
               <a:rPr lang="en-US" smtClean="0"/>
-              <a:t>26/05/2014</a:t>
+              <a:t>12/06/14</a:t>
             </a:fld>
             <a:endParaRPr lang="en-US"/>
           </a:p>
@@ -2552,7 +2552,7 @@
           <a:p>
             <a:fld id="{D728701E-CAF4-4159-9B3E-41C86DFFA30D}" type="datetimeFigureOut">
               <a:rPr lang="en-US" smtClean="0"/>
-              <a:t>26/05/2014</a:t>
+              <a:t>12/06/14</a:t>
             </a:fld>
             <a:endParaRPr lang="en-US"/>
           </a:p>
@@ -2939,7 +2939,7 @@
           <a:p>
             <a:fld id="{D728701E-CAF4-4159-9B3E-41C86DFFA30D}" type="datetimeFigureOut">
               <a:rPr lang="en-US" smtClean="0"/>
-              <a:t>26/05/2014</a:t>
+              <a:t>12/06/14</a:t>
             </a:fld>
             <a:endParaRPr lang="en-US"/>
           </a:p>
@@ -3359,7 +3359,7 @@
           <a:p>
             <a:fld id="{D728701E-CAF4-4159-9B3E-41C86DFFA30D}" type="datetimeFigureOut">
               <a:rPr lang="en-US" smtClean="0"/>
-              <a:t>26/05/2014</a:t>
+              <a:t>12/06/14</a:t>
             </a:fld>
             <a:endParaRPr lang="en-US"/>
           </a:p>
@@ -3907,7 +3907,7 @@
           <a:p>
             <a:fld id="{D728701E-CAF4-4159-9B3E-41C86DFFA30D}" type="datetimeFigureOut">
               <a:rPr lang="en-US" smtClean="0"/>
-              <a:t>26/05/2014</a:t>
+              <a:t>12/06/14</a:t>
             </a:fld>
             <a:endParaRPr lang="en-US"/>
           </a:p>
@@ -4293,7 +4293,7 @@
           <a:p>
             <a:fld id="{D728701E-CAF4-4159-9B3E-41C86DFFA30D}" type="datetimeFigureOut">
               <a:rPr lang="en-US" smtClean="0"/>
-              <a:t>26/05/2014</a:t>
+              <a:t>12/06/14</a:t>
             </a:fld>
             <a:endParaRPr lang="en-US"/>
           </a:p>
@@ -4536,7 +4536,7 @@
           <a:p>
             <a:fld id="{D728701E-CAF4-4159-9B3E-41C86DFFA30D}" type="datetimeFigureOut">
               <a:rPr lang="en-US" smtClean="0"/>
-              <a:t>26/05/2014</a:t>
+              <a:t>12/06/14</a:t>
             </a:fld>
             <a:endParaRPr lang="en-US"/>
           </a:p>
@@ -4871,7 +4871,7 @@
           <a:p>
             <a:fld id="{D728701E-CAF4-4159-9B3E-41C86DFFA30D}" type="datetimeFigureOut">
               <a:rPr lang="en-US" smtClean="0"/>
-              <a:t>26/05/2014</a:t>
+              <a:t>12/06/14</a:t>
             </a:fld>
             <a:endParaRPr lang="en-US"/>
           </a:p>
@@ -5155,7 +5155,7 @@
           <a:p>
             <a:fld id="{D728701E-CAF4-4159-9B3E-41C86DFFA30D}" type="datetimeFigureOut">
               <a:rPr lang="en-US" smtClean="0"/>
-              <a:t>26/05/2014</a:t>
+              <a:t>12/06/14</a:t>
             </a:fld>
             <a:endParaRPr lang="en-US"/>
           </a:p>
@@ -5544,7 +5544,7 @@
           <a:p>
             <a:fld id="{D728701E-CAF4-4159-9B3E-41C86DFFA30D}" type="datetimeFigureOut">
               <a:rPr lang="en-US" smtClean="0"/>
-              <a:t>26/05/2014</a:t>
+              <a:t>12/06/14</a:t>
             </a:fld>
             <a:endParaRPr lang="en-US"/>
           </a:p>
@@ -6133,7 +6133,7 @@
           <a:p>
             <a:fld id="{D728701E-CAF4-4159-9B3E-41C86DFFA30D}" type="datetimeFigureOut">
               <a:rPr lang="en-US" smtClean="0"/>
-              <a:t>26/05/2014</a:t>
+              <a:t>12/06/14</a:t>
             </a:fld>
             <a:endParaRPr lang="en-US"/>
           </a:p>
@@ -6704,7 +6704,7 @@
           <a:p>
             <a:fld id="{D728701E-CAF4-4159-9B3E-41C86DFFA30D}" type="datetimeFigureOut">
               <a:rPr lang="en-US" smtClean="0"/>
-              <a:t>26/05/2014</a:t>
+              <a:t>12/06/14</a:t>
             </a:fld>
             <a:endParaRPr lang="en-US"/>
           </a:p>
@@ -7133,7 +7133,7 @@
           <a:p>
             <a:fld id="{D728701E-CAF4-4159-9B3E-41C86DFFA30D}" type="datetimeFigureOut">
               <a:rPr lang="en-US" smtClean="0"/>
-              <a:t>26/05/2014</a:t>
+              <a:t>12/06/14</a:t>
             </a:fld>
             <a:endParaRPr lang="en-US"/>
           </a:p>
@@ -7560,7 +7560,7 @@
           <a:p>
             <a:fld id="{D728701E-CAF4-4159-9B3E-41C86DFFA30D}" type="datetimeFigureOut">
               <a:rPr lang="en-US" smtClean="0"/>
-              <a:t>26/05/2014</a:t>
+              <a:t>12/06/14</a:t>
             </a:fld>
             <a:endParaRPr lang="en-US"/>
           </a:p>
@@ -8036,7 +8036,7 @@
           <a:p>
             <a:fld id="{D728701E-CAF4-4159-9B3E-41C86DFFA30D}" type="datetimeFigureOut">
               <a:rPr lang="en-US" smtClean="0"/>
-              <a:t>26/05/2014</a:t>
+              <a:t>12/06/14</a:t>
             </a:fld>
             <a:endParaRPr lang="en-US"/>
           </a:p>
@@ -8503,7 +8503,7 @@
           <a:p>
             <a:fld id="{D728701E-CAF4-4159-9B3E-41C86DFFA30D}" type="datetimeFigureOut">
               <a:rPr lang="en-US" smtClean="0"/>
-              <a:t>26/05/2014</a:t>
+              <a:t>12/06/14</a:t>
             </a:fld>
             <a:endParaRPr lang="en-US"/>
           </a:p>
@@ -9533,7 +9533,47 @@
                   <a:srgbClr val="4F81BD"/>
                 </a:solidFill>
               </a:rPr>
-              <a:t>automatically back-up websites’ FTP and SQL with a shell script</a:t>
+              <a:t>automatically back-up </a:t>
+            </a:r>
+            <a:r>
+              <a:rPr lang="en-GB" dirty="0" smtClean="0">
+                <a:solidFill>
+                  <a:srgbClr val="4F81BD"/>
+                </a:solidFill>
+              </a:rPr>
+              <a:t>websites </a:t>
+            </a:r>
+            <a:r>
+              <a:rPr lang="en-GB" dirty="0" smtClean="0">
+                <a:solidFill>
+                  <a:srgbClr val="4F81BD"/>
+                </a:solidFill>
+              </a:rPr>
+              <a:t>and </a:t>
+            </a:r>
+            <a:r>
+              <a:rPr lang="en-GB" dirty="0" smtClean="0">
+                <a:solidFill>
+                  <a:srgbClr val="4F81BD"/>
+                </a:solidFill>
+              </a:rPr>
+              <a:t>databases</a:t>
+            </a:r>
+            <a:r>
+              <a:rPr lang="en-GB" dirty="0" smtClean="0">
+                <a:solidFill>
+                  <a:srgbClr val="4F81BD"/>
+                </a:solidFill>
+              </a:rPr>
+              <a:t> </a:t>
+            </a:r>
+            <a:r>
+              <a:rPr lang="en-GB" dirty="0" smtClean="0">
+                <a:solidFill>
+                  <a:srgbClr val="4F81BD"/>
+                </a:solidFill>
+              </a:rPr>
+              <a:t>with a shell script</a:t>
             </a:r>
           </a:p>
           <a:p>
@@ -9557,7 +9597,15 @@
             </a:pPr>
             <a:r>
               <a:rPr lang="en-GB" dirty="0" smtClean="0"/>
-              <a:t>1 – Connect to the FTP via SSH</a:t>
+              <a:t>1 – Connect to the </a:t>
+            </a:r>
+            <a:r>
+              <a:rPr lang="en-GB" dirty="0" smtClean="0"/>
+              <a:t>server via </a:t>
+            </a:r>
+            <a:r>
+              <a:rPr lang="en-GB" dirty="0" smtClean="0"/>
+              <a:t>SSH</a:t>
             </a:r>
           </a:p>
           <a:p>
@@ -9566,34 +9614,27 @@
             </a:pPr>
             <a:r>
               <a:rPr lang="en-GB" dirty="0" smtClean="0"/>
-              <a:t>2 – </a:t>
+              <a:t>2 – Write a script to backup </a:t>
             </a:r>
             <a:r>
               <a:rPr lang="en-GB" dirty="0" smtClean="0"/>
-              <a:t>Write a script </a:t>
-            </a:r>
+              <a:t>the files by FTP</a:t>
+            </a:r>
+            <a:endParaRPr lang="en-GB" dirty="0" smtClean="0"/>
+          </a:p>
+          <a:p>
+            <a:pPr marL="0" indent="0">
+              <a:buNone/>
+            </a:pPr>
             <a:r>
               <a:rPr lang="en-GB" dirty="0" smtClean="0"/>
-              <a:t>to backup the FTP </a:t>
+              <a:t>3 -  Write a script to backup the SQL </a:t>
             </a:r>
             <a:r>
               <a:rPr lang="en-GB" dirty="0" smtClean="0"/>
-              <a:t>files</a:t>
+              <a:t>files by FTP</a:t>
             </a:r>
             <a:endParaRPr lang="en-GB" dirty="0" smtClean="0"/>
-          </a:p>
-          <a:p>
-            <a:pPr marL="0" indent="0">
-              <a:buNone/>
-            </a:pPr>
-            <a:r>
-              <a:rPr lang="en-GB" dirty="0" smtClean="0"/>
-              <a:t>3 </a:t>
-            </a:r>
-            <a:r>
-              <a:rPr lang="en-GB" dirty="0" smtClean="0"/>
-              <a:t>-  Write a script to backup the SQL files</a:t>
-            </a:r>
           </a:p>
           <a:p>
             <a:pPr marL="0" indent="0">
@@ -9838,7 +9879,19 @@
           <a:p>
             <a:r>
               <a:rPr lang="en-US" dirty="0" smtClean="0"/>
-              <a:t>FTP script</a:t>
+              <a:t>S</a:t>
+            </a:r>
+            <a:r>
+              <a:rPr lang="en-US" dirty="0" smtClean="0"/>
+              <a:t>cript to </a:t>
+            </a:r>
+            <a:r>
+              <a:rPr lang="en-US" dirty="0" err="1" smtClean="0"/>
+              <a:t>synchronise</a:t>
+            </a:r>
+            <a:r>
+              <a:rPr lang="en-US" dirty="0" smtClean="0"/>
+              <a:t> folders</a:t>
             </a:r>
             <a:endParaRPr lang="en-US" dirty="0"/>
           </a:p>
@@ -10060,14 +10113,6 @@
               </a:rPr>
               <a:t>user=”username”</a:t>
             </a:r>
-            <a:r>
-              <a:rPr lang="en-US" dirty="0" smtClean="0">
-                <a:solidFill>
-                  <a:schemeClr val="accent1"/>
-                </a:solidFill>
-              </a:rPr>
-              <a:t/>
-            </a:r>
             <a:br>
               <a:rPr lang="en-US" dirty="0" smtClean="0">
                 <a:solidFill>
@@ -10081,23 +10126,7 @@
                   <a:schemeClr val="accent1"/>
                 </a:solidFill>
               </a:rPr>
-              <a:t>password</a:t>
-            </a:r>
-            <a:r>
-              <a:rPr lang="en-US" dirty="0" smtClean="0">
-                <a:solidFill>
-                  <a:schemeClr val="accent1"/>
-                </a:solidFill>
-              </a:rPr>
-              <a:t>=”password”</a:t>
-            </a:r>
-            <a:r>
-              <a:rPr lang="en-US" dirty="0" smtClean="0">
-                <a:solidFill>
-                  <a:schemeClr val="accent1"/>
-                </a:solidFill>
-              </a:rPr>
-              <a:t/>
+              <a:t>password=”password”</a:t>
             </a:r>
             <a:br>
               <a:rPr lang="en-US" dirty="0" smtClean="0">
@@ -10112,23 +10141,7 @@
                   <a:schemeClr val="accent1"/>
                 </a:solidFill>
               </a:rPr>
-              <a:t>host</a:t>
-            </a:r>
-            <a:r>
-              <a:rPr lang="en-US" dirty="0" smtClean="0">
-                <a:solidFill>
-                  <a:schemeClr val="accent1"/>
-                </a:solidFill>
-              </a:rPr>
-              <a:t>=”server”</a:t>
-            </a:r>
-            <a:r>
-              <a:rPr lang="en-US" dirty="0" smtClean="0">
-                <a:solidFill>
-                  <a:schemeClr val="accent1"/>
-                </a:solidFill>
-              </a:rPr>
-              <a:t/>
+              <a:t>host=”server”</a:t>
             </a:r>
             <a:br>
               <a:rPr lang="en-US" dirty="0" smtClean="0">
@@ -10169,11 +10182,6 @@
               </a:rPr>
               <a:t>”</a:t>
             </a:r>
-            <a:endParaRPr lang="en-US" dirty="0" smtClean="0">
-              <a:solidFill>
-                <a:schemeClr val="accent1"/>
-              </a:solidFill>
-            </a:endParaRPr>
           </a:p>
           <a:p>
             <a:r>
@@ -10567,11 +10575,6 @@
               </a:rPr>
               <a:t>/backup-$date</a:t>
             </a:r>
-            <a:endParaRPr lang="en-US" dirty="0">
-              <a:solidFill>
-                <a:schemeClr val="accent1"/>
-              </a:solidFill>
-            </a:endParaRPr>
           </a:p>
         </p:txBody>
       </p:sp>

--- a/projects/easyBackup/easyBackupPresentation.pptx
+++ b/projects/easyBackup/easyBackupPresentation.pptx
@@ -12,8 +12,8 @@
     <p:sldId id="261" r:id="rId6"/>
     <p:sldId id="265" r:id="rId7"/>
     <p:sldId id="267" r:id="rId8"/>
-    <p:sldId id="263" r:id="rId9"/>
-    <p:sldId id="266" r:id="rId10"/>
+    <p:sldId id="268" r:id="rId9"/>
+    <p:sldId id="263" r:id="rId10"/>
     <p:sldId id="264" r:id="rId11"/>
   </p:sldIdLst>
   <p:sldSz cx="9144000" cy="6858000" type="screen4x3"/>
@@ -317,7 +317,7 @@
           <a:p>
             <a:fld id="{D728701E-CAF4-4159-9B3E-41C86DFFA30D}" type="datetimeFigureOut">
               <a:rPr lang="en-US" smtClean="0"/>
-              <a:t>26/05/2014</a:t>
+              <a:t>12/06/2014</a:t>
             </a:fld>
             <a:endParaRPr lang="en-US"/>
           </a:p>
@@ -771,7 +771,7 @@
           <a:p>
             <a:fld id="{D728701E-CAF4-4159-9B3E-41C86DFFA30D}" type="datetimeFigureOut">
               <a:rPr lang="en-US" smtClean="0"/>
-              <a:t>26/05/2014</a:t>
+              <a:t>12/06/2014</a:t>
             </a:fld>
             <a:endParaRPr lang="en-US"/>
           </a:p>
@@ -1426,7 +1426,7 @@
           <a:p>
             <a:fld id="{D728701E-CAF4-4159-9B3E-41C86DFFA30D}" type="datetimeFigureOut">
               <a:rPr lang="en-US" smtClean="0"/>
-              <a:t>26/05/2014</a:t>
+              <a:t>12/06/2014</a:t>
             </a:fld>
             <a:endParaRPr lang="en-US"/>
           </a:p>
@@ -1562,7 +1562,7 @@
           <a:p>
             <a:fld id="{D728701E-CAF4-4159-9B3E-41C86DFFA30D}" type="datetimeFigureOut">
               <a:rPr lang="en-US" smtClean="0"/>
-              <a:t>26/05/2014</a:t>
+              <a:t>12/06/2014</a:t>
             </a:fld>
             <a:endParaRPr lang="en-US"/>
           </a:p>
@@ -1928,7 +1928,7 @@
           <a:p>
             <a:fld id="{D728701E-CAF4-4159-9B3E-41C86DFFA30D}" type="datetimeFigureOut">
               <a:rPr lang="en-US" smtClean="0"/>
-              <a:t>26/05/2014</a:t>
+              <a:t>12/06/2014</a:t>
             </a:fld>
             <a:endParaRPr lang="en-US"/>
           </a:p>
@@ -2254,7 +2254,7 @@
           <a:p>
             <a:fld id="{D728701E-CAF4-4159-9B3E-41C86DFFA30D}" type="datetimeFigureOut">
               <a:rPr lang="en-US" smtClean="0"/>
-              <a:t>26/05/2014</a:t>
+              <a:t>12/06/2014</a:t>
             </a:fld>
             <a:endParaRPr lang="en-US"/>
           </a:p>
@@ -2552,7 +2552,7 @@
           <a:p>
             <a:fld id="{D728701E-CAF4-4159-9B3E-41C86DFFA30D}" type="datetimeFigureOut">
               <a:rPr lang="en-US" smtClean="0"/>
-              <a:t>26/05/2014</a:t>
+              <a:t>12/06/2014</a:t>
             </a:fld>
             <a:endParaRPr lang="en-US"/>
           </a:p>
@@ -2939,7 +2939,7 @@
           <a:p>
             <a:fld id="{D728701E-CAF4-4159-9B3E-41C86DFFA30D}" type="datetimeFigureOut">
               <a:rPr lang="en-US" smtClean="0"/>
-              <a:t>26/05/2014</a:t>
+              <a:t>12/06/2014</a:t>
             </a:fld>
             <a:endParaRPr lang="en-US"/>
           </a:p>
@@ -3359,7 +3359,7 @@
           <a:p>
             <a:fld id="{D728701E-CAF4-4159-9B3E-41C86DFFA30D}" type="datetimeFigureOut">
               <a:rPr lang="en-US" smtClean="0"/>
-              <a:t>26/05/2014</a:t>
+              <a:t>12/06/2014</a:t>
             </a:fld>
             <a:endParaRPr lang="en-US"/>
           </a:p>
@@ -3907,7 +3907,7 @@
           <a:p>
             <a:fld id="{D728701E-CAF4-4159-9B3E-41C86DFFA30D}" type="datetimeFigureOut">
               <a:rPr lang="en-US" smtClean="0"/>
-              <a:t>26/05/2014</a:t>
+              <a:t>12/06/2014</a:t>
             </a:fld>
             <a:endParaRPr lang="en-US"/>
           </a:p>
@@ -4293,7 +4293,7 @@
           <a:p>
             <a:fld id="{D728701E-CAF4-4159-9B3E-41C86DFFA30D}" type="datetimeFigureOut">
               <a:rPr lang="en-US" smtClean="0"/>
-              <a:t>26/05/2014</a:t>
+              <a:t>12/06/2014</a:t>
             </a:fld>
             <a:endParaRPr lang="en-US"/>
           </a:p>
@@ -4536,7 +4536,7 @@
           <a:p>
             <a:fld id="{D728701E-CAF4-4159-9B3E-41C86DFFA30D}" type="datetimeFigureOut">
               <a:rPr lang="en-US" smtClean="0"/>
-              <a:t>26/05/2014</a:t>
+              <a:t>12/06/2014</a:t>
             </a:fld>
             <a:endParaRPr lang="en-US"/>
           </a:p>
@@ -4871,7 +4871,7 @@
           <a:p>
             <a:fld id="{D728701E-CAF4-4159-9B3E-41C86DFFA30D}" type="datetimeFigureOut">
               <a:rPr lang="en-US" smtClean="0"/>
-              <a:t>26/05/2014</a:t>
+              <a:t>12/06/2014</a:t>
             </a:fld>
             <a:endParaRPr lang="en-US"/>
           </a:p>
@@ -5155,7 +5155,7 @@
           <a:p>
             <a:fld id="{D728701E-CAF4-4159-9B3E-41C86DFFA30D}" type="datetimeFigureOut">
               <a:rPr lang="en-US" smtClean="0"/>
-              <a:t>26/05/2014</a:t>
+              <a:t>12/06/2014</a:t>
             </a:fld>
             <a:endParaRPr lang="en-US"/>
           </a:p>
@@ -5544,7 +5544,7 @@
           <a:p>
             <a:fld id="{D728701E-CAF4-4159-9B3E-41C86DFFA30D}" type="datetimeFigureOut">
               <a:rPr lang="en-US" smtClean="0"/>
-              <a:t>26/05/2014</a:t>
+              <a:t>12/06/2014</a:t>
             </a:fld>
             <a:endParaRPr lang="en-US"/>
           </a:p>
@@ -6133,7 +6133,7 @@
           <a:p>
             <a:fld id="{D728701E-CAF4-4159-9B3E-41C86DFFA30D}" type="datetimeFigureOut">
               <a:rPr lang="en-US" smtClean="0"/>
-              <a:t>26/05/2014</a:t>
+              <a:t>12/06/2014</a:t>
             </a:fld>
             <a:endParaRPr lang="en-US"/>
           </a:p>
@@ -6704,7 +6704,7 @@
           <a:p>
             <a:fld id="{D728701E-CAF4-4159-9B3E-41C86DFFA30D}" type="datetimeFigureOut">
               <a:rPr lang="en-US" smtClean="0"/>
-              <a:t>26/05/2014</a:t>
+              <a:t>12/06/2014</a:t>
             </a:fld>
             <a:endParaRPr lang="en-US"/>
           </a:p>
@@ -7133,7 +7133,7 @@
           <a:p>
             <a:fld id="{D728701E-CAF4-4159-9B3E-41C86DFFA30D}" type="datetimeFigureOut">
               <a:rPr lang="en-US" smtClean="0"/>
-              <a:t>26/05/2014</a:t>
+              <a:t>12/06/2014</a:t>
             </a:fld>
             <a:endParaRPr lang="en-US"/>
           </a:p>
@@ -7560,7 +7560,7 @@
           <a:p>
             <a:fld id="{D728701E-CAF4-4159-9B3E-41C86DFFA30D}" type="datetimeFigureOut">
               <a:rPr lang="en-US" smtClean="0"/>
-              <a:t>26/05/2014</a:t>
+              <a:t>12/06/2014</a:t>
             </a:fld>
             <a:endParaRPr lang="en-US"/>
           </a:p>
@@ -8036,7 +8036,7 @@
           <a:p>
             <a:fld id="{D728701E-CAF4-4159-9B3E-41C86DFFA30D}" type="datetimeFigureOut">
               <a:rPr lang="en-US" smtClean="0"/>
-              <a:t>26/05/2014</a:t>
+              <a:t>12/06/2014</a:t>
             </a:fld>
             <a:endParaRPr lang="en-US"/>
           </a:p>
@@ -8503,7 +8503,7 @@
           <a:p>
             <a:fld id="{D728701E-CAF4-4159-9B3E-41C86DFFA30D}" type="datetimeFigureOut">
               <a:rPr lang="en-US" smtClean="0"/>
-              <a:t>26/05/2014</a:t>
+              <a:t>12/06/2014</a:t>
             </a:fld>
             <a:endParaRPr lang="en-US"/>
           </a:p>
@@ -8964,7 +8964,7 @@
         </p:nvSpPr>
         <p:spPr>
           <a:xfrm>
-            <a:off x="4800600" y="896048"/>
+            <a:off x="5009142" y="5307750"/>
             <a:ext cx="1958825" cy="954107"/>
           </a:xfrm>
           <a:prstGeom prst="rect">
@@ -9018,14 +9018,62 @@
       </p:sp>
       <p:sp>
         <p:nvSpPr>
-          <p:cNvPr id="5" name="TextBox 4"/>
+          <p:cNvPr id="14" name="Rectangle 13"/>
+          <p:cNvSpPr/>
+          <p:nvPr/>
+        </p:nvSpPr>
+        <p:spPr>
+          <a:xfrm>
+            <a:off x="8447791" y="6354191"/>
+            <a:ext cx="535987" cy="369332"/>
+          </a:xfrm>
+          <a:prstGeom prst="rect">
+            <a:avLst/>
+          </a:prstGeom>
+        </p:spPr>
+        <p:txBody>
+          <a:bodyPr wrap="none">
+            <a:spAutoFit/>
+          </a:bodyPr>
+          <a:lstStyle/>
+          <a:p>
+            <a:r>
+              <a:rPr lang="en-US" dirty="0">
+                <a:solidFill>
+                  <a:schemeClr val="accent1"/>
+                </a:solidFill>
+              </a:rPr>
+              <a:t>1</a:t>
+            </a:r>
+            <a:r>
+              <a:rPr lang="en-US" dirty="0" smtClean="0">
+                <a:solidFill>
+                  <a:schemeClr val="accent1"/>
+                </a:solidFill>
+              </a:rPr>
+              <a:t>/</a:t>
+            </a:r>
+            <a:r>
+              <a:rPr lang="en-US" dirty="0">
+                <a:solidFill>
+                  <a:schemeClr val="accent1"/>
+                </a:solidFill>
+              </a:rPr>
+              <a:t>2</a:t>
+            </a:r>
+          </a:p>
+        </p:txBody>
+      </p:sp>
+      <p:sp>
+        <p:nvSpPr>
+          <p:cNvPr id="11" name="TextBox 10"/>
           <p:cNvSpPr txBox="1"/>
           <p:nvPr/>
         </p:nvSpPr>
         <p:spPr>
           <a:xfrm>
-            <a:off x="7189357" y="872746"/>
-            <a:ext cx="1526428" cy="738664"/>
+            <a:off x="500633" y="4938419"/>
+            <a:ext cx="4852196" cy="1415772"/>
           </a:xfrm>
           <a:prstGeom prst="rect">
             <a:avLst/>
@@ -9039,42 +9087,24 @@
           <a:lstStyle/>
           <a:p>
             <a:r>
-              <a:rPr lang="en-US" sz="1400" dirty="0" smtClean="0">
-                <a:solidFill>
-                  <a:schemeClr val="accent2"/>
-                </a:solidFill>
-              </a:rPr>
-              <a:t>ISEP Students</a:t>
-            </a:r>
-          </a:p>
-          <a:p>
-            <a:r>
-              <a:rPr lang="en-US" sz="1400" dirty="0">
-                <a:solidFill>
-                  <a:schemeClr val="accent2"/>
-                </a:solidFill>
-              </a:rPr>
-              <a:t>i</a:t>
-            </a:r>
-            <a:r>
-              <a:rPr lang="en-US" sz="1400" dirty="0" smtClean="0">
-                <a:solidFill>
-                  <a:schemeClr val="accent2"/>
-                </a:solidFill>
-              </a:rPr>
-              <a:t>n </a:t>
-            </a:r>
-            <a:r>
-              <a:rPr lang="en-US" sz="1400" b="1" dirty="0" smtClean="0">
-                <a:solidFill>
-                  <a:schemeClr val="accent2"/>
-                </a:solidFill>
-              </a:rPr>
-              <a:t>Information Systems</a:t>
-            </a:r>
-            <a:endParaRPr lang="en-US" sz="1400" b="1" dirty="0">
+              <a:rPr lang="en-US" sz="5400" dirty="0" smtClean="0">
+                <a:solidFill>
+                  <a:schemeClr val="accent1"/>
+                </a:solidFill>
+              </a:rPr>
+              <a:t>easyBackup </a:t>
+            </a:r>
+            <a:r>
+              <a:rPr lang="en-US" sz="3200" dirty="0" smtClean="0">
+                <a:solidFill>
+                  <a:schemeClr val="accent1"/>
+                </a:solidFill>
+              </a:rPr>
+              <a:t>software</a:t>
+            </a:r>
+            <a:endParaRPr lang="en-US" sz="3200" dirty="0">
               <a:solidFill>
-                <a:schemeClr val="accent2"/>
+                <a:schemeClr val="accent1"/>
               </a:solidFill>
             </a:endParaRPr>
           </a:p>
@@ -9082,14 +9112,14 @@
       </p:sp>
       <p:sp>
         <p:nvSpPr>
-          <p:cNvPr id="7" name="TextBox 6"/>
+          <p:cNvPr id="13" name="TextBox 12"/>
           <p:cNvSpPr txBox="1"/>
           <p:nvPr/>
         </p:nvSpPr>
         <p:spPr>
           <a:xfrm>
-            <a:off x="4800600" y="2993587"/>
-            <a:ext cx="1829455" cy="738664"/>
+            <a:off x="2332012" y="5930492"/>
+            <a:ext cx="3438649" cy="307777"/>
           </a:xfrm>
           <a:prstGeom prst="rect">
             <a:avLst/>
@@ -9105,14 +9135,14 @@
             <a:r>
               <a:rPr lang="en-US" sz="1400" dirty="0" smtClean="0">
                 <a:solidFill>
-                  <a:schemeClr val="accent6"/>
-                </a:solidFill>
-              </a:rPr>
-              <a:t>The needs : make an automatic backup of websites</a:t>
+                  <a:schemeClr val="accent1"/>
+                </a:solidFill>
+              </a:rPr>
+              <a:t>Save more than data</a:t>
             </a:r>
             <a:endParaRPr lang="en-US" sz="1400" dirty="0">
               <a:solidFill>
-                <a:schemeClr val="accent6"/>
+                <a:schemeClr val="accent1"/>
               </a:solidFill>
             </a:endParaRPr>
           </a:p>
@@ -9120,40 +9150,45 @@
       </p:sp>
       <p:sp>
         <p:nvSpPr>
-          <p:cNvPr id="8" name="TextBox 7"/>
-          <p:cNvSpPr txBox="1"/>
+          <p:cNvPr id="2" name="Rectangle 1"/>
+          <p:cNvSpPr/>
           <p:nvPr/>
         </p:nvSpPr>
         <p:spPr>
           <a:xfrm>
-            <a:off x="6967967" y="2886210"/>
-            <a:ext cx="1747818" cy="954107"/>
+            <a:off x="297459" y="235634"/>
+            <a:ext cx="8555651" cy="4171232"/>
           </a:xfrm>
           <a:prstGeom prst="rect">
             <a:avLst/>
           </a:prstGeom>
-          <a:noFill/>
-        </p:spPr>
-        <p:txBody>
-          <a:bodyPr wrap="square" rtlCol="0">
-            <a:spAutoFit/>
-          </a:bodyPr>
-          <a:lstStyle/>
-          <a:p>
-            <a:r>
-              <a:rPr lang="en-US" sz="1400" dirty="0" smtClean="0">
-                <a:solidFill>
-                  <a:schemeClr val="accent3"/>
-                </a:solidFill>
-              </a:rPr>
-              <a:t>The results : save time and make a redundant task automatic</a:t>
-            </a:r>
+        </p:spPr>
+        <p:style>
+          <a:lnRef idx="1">
+            <a:schemeClr val="accent1"/>
+          </a:lnRef>
+          <a:fillRef idx="3">
+            <a:schemeClr val="accent1"/>
+          </a:fillRef>
+          <a:effectRef idx="2">
+            <a:schemeClr val="accent1"/>
+          </a:effectRef>
+          <a:fontRef idx="minor">
+            <a:schemeClr val="lt1"/>
+          </a:fontRef>
+        </p:style>
+        <p:txBody>
+          <a:bodyPr rtlCol="0" anchor="ctr"/>
+          <a:lstStyle/>
+          <a:p>
+            <a:pPr algn="ctr"/>
+            <a:endParaRPr lang="en-US"/>
           </a:p>
         </p:txBody>
       </p:sp>
       <p:pic>
         <p:nvPicPr>
-          <p:cNvPr id="9" name="Picture 8" descr="mzl.aqlavaci.png"/>
+          <p:cNvPr id="12" name="Picture 11" descr="phpmyadmin.png"/>
           <p:cNvPicPr>
             <a:picLocks noChangeAspect="1"/>
           </p:cNvPicPr>
@@ -9173,51 +9208,24 @@
         </p:blipFill>
         <p:spPr>
           <a:xfrm>
-            <a:off x="793436" y="742029"/>
-            <a:ext cx="3273153" cy="3273153"/>
-          </a:xfrm>
-          <a:prstGeom prst="roundRect">
-            <a:avLst>
-              <a:gd name="adj" fmla="val 11111"/>
-            </a:avLst>
+            <a:off x="5504326" y="639817"/>
+            <a:ext cx="2362123" cy="1671202"/>
+          </a:xfrm>
+          <a:prstGeom prst="rect">
+            <a:avLst/>
           </a:prstGeom>
-          <a:ln w="190500" cap="rnd">
-            <a:solidFill>
-              <a:srgbClr val="C8C6BD"/>
-            </a:solidFill>
-            <a:prstDash val="solid"/>
-          </a:ln>
-          <a:effectLst>
-            <a:outerShdw blurRad="101600" dist="50800" dir="7200000" algn="tl" rotWithShape="0">
-              <a:srgbClr val="000000">
-                <a:alpha val="45000"/>
-              </a:srgbClr>
-            </a:outerShdw>
-          </a:effectLst>
-          <a:scene3d>
-            <a:camera prst="perspectiveFront" fov="5400000"/>
-            <a:lightRig rig="threePt" dir="t">
-              <a:rot lat="0" lon="0" rev="19200000"/>
-            </a:lightRig>
-          </a:scene3d>
-          <a:sp3d extrusionH="25400">
-            <a:bevelT w="304800" h="152400" prst="hardEdge"/>
-            <a:extrusionClr>
-              <a:srgbClr val="FFFFFF"/>
-            </a:extrusionClr>
-          </a:sp3d>
         </p:spPr>
       </p:pic>
       <p:sp>
         <p:nvSpPr>
-          <p:cNvPr id="10" name="TextBox 9"/>
+          <p:cNvPr id="8" name="TextBox 7"/>
           <p:cNvSpPr txBox="1"/>
           <p:nvPr/>
         </p:nvSpPr>
         <p:spPr>
           <a:xfrm>
-            <a:off x="2132335" y="1223343"/>
-            <a:ext cx="1270081" cy="1569660"/>
+            <a:off x="6887882" y="2629035"/>
+            <a:ext cx="1747818" cy="954107"/>
           </a:xfrm>
           <a:prstGeom prst="rect">
             <a:avLst/>
@@ -9231,24 +9239,137 @@
           <a:lstStyle/>
           <a:p>
             <a:r>
-              <a:rPr lang="en-US" sz="9600" dirty="0" smtClean="0">
+              <a:rPr lang="en-US" sz="1400" dirty="0" smtClean="0">
+                <a:solidFill>
+                  <a:srgbClr val="1F497D"/>
+                </a:solidFill>
+              </a:rPr>
+              <a:t>The results : </a:t>
+            </a:r>
+            <a:r>
+              <a:rPr lang="en-US" sz="1400" dirty="0" smtClean="0">
                 <a:solidFill>
                   <a:schemeClr val="bg1"/>
                 </a:solidFill>
               </a:rPr>
-              <a:t>?</a:t>
-            </a:r>
-            <a:endParaRPr lang="en-US" sz="9600" dirty="0">
+              <a:t>save time and make a redundant task automatic</a:t>
+            </a:r>
+          </a:p>
+        </p:txBody>
+      </p:sp>
+      <p:sp>
+        <p:nvSpPr>
+          <p:cNvPr id="5" name="TextBox 4"/>
+          <p:cNvSpPr txBox="1"/>
+          <p:nvPr/>
+        </p:nvSpPr>
+        <p:spPr>
+          <a:xfrm>
+            <a:off x="6967967" y="5307750"/>
+            <a:ext cx="1526428" cy="738664"/>
+          </a:xfrm>
+          <a:prstGeom prst="rect">
+            <a:avLst/>
+          </a:prstGeom>
+          <a:noFill/>
+        </p:spPr>
+        <p:txBody>
+          <a:bodyPr wrap="square" rtlCol="0">
+            <a:spAutoFit/>
+          </a:bodyPr>
+          <a:lstStyle/>
+          <a:p>
+            <a:r>
+              <a:rPr lang="en-US" sz="1400" dirty="0" smtClean="0">
+                <a:solidFill>
+                  <a:schemeClr val="accent2"/>
+                </a:solidFill>
+              </a:rPr>
+              <a:t>ISEP Students</a:t>
+            </a:r>
+          </a:p>
+          <a:p>
+            <a:r>
+              <a:rPr lang="en-US" sz="1400" dirty="0">
+                <a:solidFill>
+                  <a:schemeClr val="accent2"/>
+                </a:solidFill>
+              </a:rPr>
+              <a:t>i</a:t>
+            </a:r>
+            <a:r>
+              <a:rPr lang="en-US" sz="1400" dirty="0" smtClean="0">
+                <a:solidFill>
+                  <a:schemeClr val="accent2"/>
+                </a:solidFill>
+              </a:rPr>
+              <a:t>n </a:t>
+            </a:r>
+            <a:r>
+              <a:rPr lang="en-US" sz="1400" b="1" dirty="0" smtClean="0">
+                <a:solidFill>
+                  <a:schemeClr val="accent2"/>
+                </a:solidFill>
+              </a:rPr>
+              <a:t>Information Systems</a:t>
+            </a:r>
+            <a:endParaRPr lang="en-US" sz="1400" b="1" dirty="0">
               <a:solidFill>
-                <a:schemeClr val="bg1"/>
+                <a:schemeClr val="accent2"/>
               </a:solidFill>
             </a:endParaRPr>
           </a:p>
         </p:txBody>
       </p:sp>
+      <p:sp>
+        <p:nvSpPr>
+          <p:cNvPr id="7" name="TextBox 6"/>
+          <p:cNvSpPr txBox="1"/>
+          <p:nvPr/>
+        </p:nvSpPr>
+        <p:spPr>
+          <a:xfrm>
+            <a:off x="4855933" y="2632852"/>
+            <a:ext cx="1829455" cy="738664"/>
+          </a:xfrm>
+          <a:prstGeom prst="rect">
+            <a:avLst/>
+          </a:prstGeom>
+          <a:noFill/>
+        </p:spPr>
+        <p:txBody>
+          <a:bodyPr wrap="square" rtlCol="0">
+            <a:spAutoFit/>
+          </a:bodyPr>
+          <a:lstStyle/>
+          <a:p>
+            <a:r>
+              <a:rPr lang="en-US" sz="1400" dirty="0" smtClean="0">
+                <a:solidFill>
+                  <a:schemeClr val="tx2"/>
+                </a:solidFill>
+              </a:rPr>
+              <a:t>The needs : </a:t>
+            </a:r>
+            <a:r>
+              <a:rPr lang="en-US" sz="1400" dirty="0" smtClean="0">
+                <a:solidFill>
+                  <a:srgbClr val="FFFFFF"/>
+                </a:solidFill>
+              </a:rPr>
+              <a:t>make an automatic backup of websites</a:t>
+            </a:r>
+            <a:endParaRPr lang="en-US" sz="1400" dirty="0">
+              <a:solidFill>
+                <a:srgbClr val="FFFFFF"/>
+              </a:solidFill>
+            </a:endParaRPr>
+          </a:p>
+        </p:txBody>
+      </p:sp>
       <p:pic>
         <p:nvPicPr>
-          <p:cNvPr id="12" name="Picture 11" descr="phpmyadmin.png"/>
+          <p:cNvPr id="9" name="Picture 8" descr="mzl.aqlavaci.png"/>
           <p:cNvPicPr>
             <a:picLocks noChangeAspect="1"/>
           </p:cNvPicPr>
@@ -9268,62 +9389,44 @@
         </p:blipFill>
         <p:spPr>
           <a:xfrm>
-            <a:off x="955473" y="4458764"/>
-            <a:ext cx="3111116" cy="2201115"/>
+            <a:off x="420548" y="359769"/>
+            <a:ext cx="3934775" cy="3934775"/>
           </a:xfrm>
           <a:prstGeom prst="rect">
             <a:avLst/>
           </a:prstGeom>
+          <a:solidFill>
+            <a:srgbClr val="FFFFFF">
+              <a:shade val="85000"/>
+            </a:srgbClr>
+          </a:solidFill>
+          <a:ln w="88900" cap="sq">
+            <a:solidFill>
+              <a:srgbClr val="FFFFFF"/>
+            </a:solidFill>
+            <a:miter lim="800000"/>
+          </a:ln>
+          <a:effectLst>
+            <a:outerShdw blurRad="55000" dist="18000" dir="5400000" algn="tl" rotWithShape="0">
+              <a:srgbClr val="000000">
+                <a:alpha val="40000"/>
+              </a:srgbClr>
+            </a:outerShdw>
+          </a:effectLst>
+          <a:scene3d>
+            <a:camera prst="orthographicFront"/>
+            <a:lightRig rig="twoPt" dir="t">
+              <a:rot lat="0" lon="0" rev="7200000"/>
+            </a:lightRig>
+          </a:scene3d>
+          <a:sp3d>
+            <a:bevelT w="25400" h="19050"/>
+            <a:contourClr>
+              <a:srgbClr val="FFFFFF"/>
+            </a:contourClr>
+          </a:sp3d>
         </p:spPr>
       </p:pic>
-      <p:sp>
-        <p:nvSpPr>
-          <p:cNvPr id="14" name="Rectangle 13"/>
-          <p:cNvSpPr/>
-          <p:nvPr/>
-        </p:nvSpPr>
-        <p:spPr>
-          <a:xfrm>
-            <a:off x="8447791" y="6354191"/>
-            <a:ext cx="535987" cy="369332"/>
-          </a:xfrm>
-          <a:prstGeom prst="rect">
-            <a:avLst/>
-          </a:prstGeom>
-        </p:spPr>
-        <p:txBody>
-          <a:bodyPr wrap="none">
-            <a:spAutoFit/>
-          </a:bodyPr>
-          <a:lstStyle/>
-          <a:p>
-            <a:r>
-              <a:rPr lang="en-US" dirty="0">
-                <a:solidFill>
-                  <a:schemeClr val="accent1"/>
-                </a:solidFill>
-              </a:rPr>
-              <a:t>1</a:t>
-            </a:r>
-            <a:r>
-              <a:rPr lang="en-US" dirty="0" smtClean="0">
-                <a:solidFill>
-                  <a:schemeClr val="accent1"/>
-                </a:solidFill>
-              </a:rPr>
-              <a:t>/</a:t>
-            </a:r>
-            <a:r>
-              <a:rPr lang="en-US" dirty="0">
-                <a:solidFill>
-                  <a:schemeClr val="accent1"/>
-                </a:solidFill>
-              </a:rPr>
-              <a:t>2</a:t>
-            </a:r>
-          </a:p>
-        </p:txBody>
-      </p:sp>
     </p:spTree>
     <p:extLst>
       <p:ext uri="{BB962C8B-B14F-4D97-AF65-F5344CB8AC3E}">
@@ -9427,15 +9530,40 @@
           <a:p>
             <a:pPr lvl="1"/>
             <a:r>
-              <a:rPr lang="en-US" dirty="0" smtClean="0"/>
-              <a:t>Remote the OVH scripts from a local script (to let users run manually the scripts without being connected to OVH) and download files locally from the server</a:t>
-            </a:r>
+              <a:rPr lang="en-US" dirty="0" smtClean="0">
+                <a:solidFill>
+                  <a:schemeClr val="accent3"/>
+                </a:solidFill>
+              </a:rPr>
+              <a:t>Remote the OVH scripts from a local script (to let users run manually the scripts without being connected to OVH) and download files locally from the </a:t>
+            </a:r>
+            <a:r>
+              <a:rPr lang="en-US" dirty="0" smtClean="0">
+                <a:solidFill>
+                  <a:schemeClr val="accent3"/>
+                </a:solidFill>
+              </a:rPr>
+              <a:t>server (DONE)</a:t>
+            </a:r>
+            <a:endParaRPr lang="en-US" dirty="0" smtClean="0">
+              <a:solidFill>
+                <a:schemeClr val="accent3"/>
+              </a:solidFill>
+            </a:endParaRPr>
           </a:p>
           <a:p>
             <a:pPr lvl="1"/>
             <a:r>
               <a:rPr lang="en-US" dirty="0" smtClean="0"/>
-              <a:t>Make the script running as a cron task to plan daily/weekly backups (already effective with OVH)</a:t>
+              <a:t>Make the script running as a cron task to plan daily/weekly backups </a:t>
+            </a:r>
+            <a:r>
+              <a:rPr lang="en-US" dirty="0" smtClean="0">
+                <a:solidFill>
+                  <a:srgbClr val="9BBB59"/>
+                </a:solidFill>
+              </a:rPr>
+              <a:t>(already effective with OVH)</a:t>
             </a:r>
           </a:p>
           <a:p>
@@ -9445,6 +9573,56 @@
           <a:p>
             <a:pPr lvl="1"/>
             <a:endParaRPr lang="en-US" dirty="0"/>
+          </a:p>
+        </p:txBody>
+      </p:sp>
+      <p:sp>
+        <p:nvSpPr>
+          <p:cNvPr id="4" name="TextBox 3"/>
+          <p:cNvSpPr txBox="1"/>
+          <p:nvPr/>
+        </p:nvSpPr>
+        <p:spPr>
+          <a:xfrm>
+            <a:off x="498474" y="5812039"/>
+            <a:ext cx="7475712" cy="707886"/>
+          </a:xfrm>
+          <a:prstGeom prst="rect">
+            <a:avLst/>
+          </a:prstGeom>
+          <a:noFill/>
+        </p:spPr>
+        <p:txBody>
+          <a:bodyPr wrap="square" rtlCol="0">
+            <a:spAutoFit/>
+          </a:bodyPr>
+          <a:lstStyle/>
+          <a:p>
+            <a:pPr algn="ctr"/>
+            <a:r>
+              <a:rPr lang="en-US" sz="2000" dirty="0" smtClean="0">
+                <a:solidFill>
+                  <a:schemeClr val="accent1"/>
+                </a:solidFill>
+              </a:rPr>
+              <a:t>Do not forget to see our video demonstration !</a:t>
+            </a:r>
+          </a:p>
+          <a:p>
+            <a:pPr algn="ctr"/>
+            <a:r>
+              <a:rPr lang="en-US" sz="2000" dirty="0" smtClean="0">
+                <a:solidFill>
+                  <a:schemeClr val="accent1"/>
+                </a:solidFill>
+              </a:rPr>
+              <a:t>- Thanks -</a:t>
+            </a:r>
+            <a:endParaRPr lang="en-US" sz="2000" dirty="0">
+              <a:solidFill>
+                <a:schemeClr val="accent1"/>
+              </a:solidFill>
+            </a:endParaRPr>
           </a:p>
         </p:txBody>
       </p:sp>
@@ -9533,7 +9711,7 @@
                   <a:srgbClr val="4F81BD"/>
                 </a:solidFill>
               </a:rPr>
-              <a:t>automatically back-up websites’ FTP and SQL with a shell script</a:t>
+              <a:t>automatically back-up websites and databases with a shell script</a:t>
             </a:r>
           </a:p>
           <a:p>
@@ -9557,7 +9735,7 @@
             </a:pPr>
             <a:r>
               <a:rPr lang="en-GB" dirty="0" smtClean="0"/>
-              <a:t>1 – Connect to the FTP via SSH</a:t>
+              <a:t>1 – Connect to the server via SSH</a:t>
             </a:r>
           </a:p>
           <a:p>
@@ -9566,33 +9744,16 @@
             </a:pPr>
             <a:r>
               <a:rPr lang="en-GB" dirty="0" smtClean="0"/>
-              <a:t>2 – </a:t>
-            </a:r>
+              <a:t>2 – Write a script to backup the files by FTP</a:t>
+            </a:r>
+          </a:p>
+          <a:p>
+            <a:pPr marL="0" indent="0">
+              <a:buNone/>
+            </a:pPr>
             <a:r>
               <a:rPr lang="en-GB" dirty="0" smtClean="0"/>
-              <a:t>Write a script </a:t>
-            </a:r>
-            <a:r>
-              <a:rPr lang="en-GB" dirty="0" smtClean="0"/>
-              <a:t>to backup the FTP </a:t>
-            </a:r>
-            <a:r>
-              <a:rPr lang="en-GB" dirty="0" smtClean="0"/>
-              <a:t>files</a:t>
-            </a:r>
-            <a:endParaRPr lang="en-GB" dirty="0" smtClean="0"/>
-          </a:p>
-          <a:p>
-            <a:pPr marL="0" indent="0">
-              <a:buNone/>
-            </a:pPr>
-            <a:r>
-              <a:rPr lang="en-GB" dirty="0" smtClean="0"/>
-              <a:t>3 </a:t>
-            </a:r>
-            <a:r>
-              <a:rPr lang="en-GB" dirty="0" smtClean="0"/>
-              <a:t>-  Write a script to backup the SQL files</a:t>
+              <a:t>3 -  Write a script to backup the SQL files by FTP</a:t>
             </a:r>
           </a:p>
           <a:p>
@@ -9838,7 +9999,15 @@
           <a:p>
             <a:r>
               <a:rPr lang="en-US" dirty="0" smtClean="0"/>
-              <a:t>FTP script</a:t>
+              <a:t>Script to </a:t>
+            </a:r>
+            <a:r>
+              <a:rPr lang="en-US" dirty="0" smtClean="0"/>
+              <a:t>synchronize </a:t>
+            </a:r>
+            <a:r>
+              <a:rPr lang="en-US" dirty="0" smtClean="0"/>
+              <a:t>folders</a:t>
             </a:r>
             <a:endParaRPr lang="en-US" dirty="0"/>
           </a:p>
@@ -9944,7 +10113,11 @@
           <a:p>
             <a:r>
               <a:rPr lang="en-US" noProof="1" smtClean="0"/>
-              <a:t>Save logs reports (including errors) in a separate </a:t>
+              <a:t>Optional : save </a:t>
+            </a:r>
+            <a:r>
+              <a:rPr lang="en-US" noProof="1" smtClean="0"/>
+              <a:t>logs reports (including errors) in a separate </a:t>
             </a:r>
             <a:r>
               <a:rPr lang="en-US" noProof="1" smtClean="0">
@@ -10047,7 +10220,11 @@
           <a:p>
             <a:r>
               <a:rPr lang="en-US" dirty="0" smtClean="0"/>
-              <a:t>We initialize the variables</a:t>
+              <a:t>Initialize </a:t>
+            </a:r>
+            <a:r>
+              <a:rPr lang="en-US" dirty="0" smtClean="0"/>
+              <a:t>the variables</a:t>
             </a:r>
             <a:br>
               <a:rPr lang="en-US" dirty="0" smtClean="0"/>
@@ -10059,14 +10236,6 @@
                 </a:solidFill>
               </a:rPr>
               <a:t>user=”username”</a:t>
-            </a:r>
-            <a:r>
-              <a:rPr lang="en-US" dirty="0" smtClean="0">
-                <a:solidFill>
-                  <a:schemeClr val="accent1"/>
-                </a:solidFill>
-              </a:rPr>
-              <a:t/>
             </a:r>
             <a:br>
               <a:rPr lang="en-US" dirty="0" smtClean="0">
@@ -10081,23 +10250,7 @@
                   <a:schemeClr val="accent1"/>
                 </a:solidFill>
               </a:rPr>
-              <a:t>password</a:t>
-            </a:r>
-            <a:r>
-              <a:rPr lang="en-US" dirty="0" smtClean="0">
-                <a:solidFill>
-                  <a:schemeClr val="accent1"/>
-                </a:solidFill>
-              </a:rPr>
-              <a:t>=”password”</a:t>
-            </a:r>
-            <a:r>
-              <a:rPr lang="en-US" dirty="0" smtClean="0">
-                <a:solidFill>
-                  <a:schemeClr val="accent1"/>
-                </a:solidFill>
-              </a:rPr>
-              <a:t/>
+              <a:t>password=”password”</a:t>
             </a:r>
             <a:br>
               <a:rPr lang="en-US" dirty="0" smtClean="0">
@@ -10112,23 +10265,7 @@
                   <a:schemeClr val="accent1"/>
                 </a:solidFill>
               </a:rPr>
-              <a:t>host</a:t>
-            </a:r>
-            <a:r>
-              <a:rPr lang="en-US" dirty="0" smtClean="0">
-                <a:solidFill>
-                  <a:schemeClr val="accent1"/>
-                </a:solidFill>
-              </a:rPr>
-              <a:t>=”server”</a:t>
-            </a:r>
-            <a:r>
-              <a:rPr lang="en-US" dirty="0" smtClean="0">
-                <a:solidFill>
-                  <a:schemeClr val="accent1"/>
-                </a:solidFill>
-              </a:rPr>
-              <a:t/>
+              <a:t>host=”server”</a:t>
             </a:r>
             <a:br>
               <a:rPr lang="en-US" dirty="0" smtClean="0">
@@ -10169,11 +10306,6 @@
               </a:rPr>
               <a:t>”</a:t>
             </a:r>
-            <a:endParaRPr lang="en-US" dirty="0" smtClean="0">
-              <a:solidFill>
-                <a:schemeClr val="accent1"/>
-              </a:solidFill>
-            </a:endParaRPr>
           </a:p>
           <a:p>
             <a:r>
@@ -10182,7 +10314,7 @@
                   <a:srgbClr val="595959"/>
                 </a:solidFill>
               </a:rPr>
-              <a:t># </a:t>
+              <a:t>D</a:t>
             </a:r>
             <a:r>
               <a:rPr lang="en-US" dirty="0" smtClean="0">
@@ -10190,7 +10322,15 @@
                   <a:srgbClr val="595959"/>
                 </a:solidFill>
               </a:rPr>
-              <a:t>Define in a variable a folder in which to save the BDD dumb</a:t>
+              <a:t>efine </a:t>
+            </a:r>
+            <a:r>
+              <a:rPr lang="en-US" dirty="0" smtClean="0">
+                <a:solidFill>
+                  <a:srgbClr val="595959"/>
+                </a:solidFill>
+              </a:rPr>
+              <a:t>in a variable a folder in which to save the BDD dumb</a:t>
             </a:r>
             <a:br>
               <a:rPr lang="en-US" dirty="0" smtClean="0">
@@ -10262,7 +10402,15 @@
                   <a:srgbClr val="595959"/>
                 </a:solidFill>
               </a:rPr>
-              <a:t># Permissions accorded to the owner only (we set “1”)</a:t>
+              <a:t>Accord permissions to </a:t>
+            </a:r>
+            <a:r>
+              <a:rPr lang="en-US" dirty="0" smtClean="0">
+                <a:solidFill>
+                  <a:srgbClr val="595959"/>
+                </a:solidFill>
+              </a:rPr>
+              <a:t>the owner only (we set “1”)</a:t>
             </a:r>
             <a:br>
               <a:rPr lang="en-US" dirty="0" smtClean="0">
@@ -10290,12 +10438,12 @@
           </a:p>
           <a:p>
             <a:r>
-              <a:rPr lang="en-US" dirty="0">
+              <a:rPr lang="en-US" dirty="0" smtClean="0">
                 <a:solidFill>
                   <a:srgbClr val="595959"/>
                 </a:solidFill>
               </a:rPr>
-              <a:t># Dump </a:t>
+              <a:t>Dump the </a:t>
             </a:r>
             <a:r>
               <a:rPr lang="en-US" dirty="0" smtClean="0">
@@ -10303,7 +10451,7 @@
                   <a:srgbClr val="595959"/>
                 </a:solidFill>
               </a:rPr>
-              <a:t>command of the SQL database</a:t>
+              <a:t>SQL database</a:t>
             </a:r>
             <a:br>
               <a:rPr lang="en-US" dirty="0" smtClean="0">
@@ -10447,7 +10595,7 @@
           <a:p>
             <a:r>
               <a:rPr lang="en-GB" dirty="0" smtClean="0"/>
-              <a:t>Personalize the script </a:t>
+              <a:t>Backups destination</a:t>
             </a:r>
             <a:endParaRPr lang="en-GB" dirty="0"/>
           </a:p>
@@ -10455,14 +10603,14 @@
       </p:sp>
       <p:sp>
         <p:nvSpPr>
-          <p:cNvPr id="5" name="TextBox 4"/>
+          <p:cNvPr id="6" name="TextBox 5"/>
           <p:cNvSpPr txBox="1"/>
           <p:nvPr/>
         </p:nvSpPr>
         <p:spPr>
           <a:xfrm>
-            <a:off x="650557" y="1893792"/>
-            <a:ext cx="5919276" cy="369332"/>
+            <a:off x="464151" y="1272689"/>
+            <a:ext cx="6916038" cy="400110"/>
           </a:xfrm>
           <a:prstGeom prst="rect">
             <a:avLst/>
@@ -10476,23 +10624,48 @@
           <a:lstStyle/>
           <a:p>
             <a:r>
-              <a:rPr lang="en-US" dirty="0" smtClean="0"/>
-              <a:t>Merging the FTP and SQL script</a:t>
-            </a:r>
-            <a:endParaRPr lang="en-US" dirty="0"/>
-          </a:p>
-        </p:txBody>
-      </p:sp>
-      <p:sp>
-        <p:nvSpPr>
-          <p:cNvPr id="6" name="TextBox 5"/>
+              <a:rPr lang="en-US" sz="2000" dirty="0" smtClean="0">
+                <a:solidFill>
+                  <a:schemeClr val="tx1">
+                    <a:lumMod val="65000"/>
+                    <a:lumOff val="35000"/>
+                  </a:schemeClr>
+                </a:solidFill>
+              </a:rPr>
+              <a:t>The backups are saved </a:t>
+            </a:r>
+            <a:r>
+              <a:rPr lang="en-US" sz="2000" dirty="0" smtClean="0">
+                <a:solidFill>
+                  <a:schemeClr val="tx1">
+                    <a:lumMod val="65000"/>
+                    <a:lumOff val="35000"/>
+                  </a:schemeClr>
+                </a:solidFill>
+              </a:rPr>
+              <a:t>into a well organized folder</a:t>
+            </a:r>
+            <a:endParaRPr lang="en-US" sz="2000" dirty="0">
+              <a:solidFill>
+                <a:schemeClr val="tx1">
+                  <a:lumMod val="65000"/>
+                  <a:lumOff val="35000"/>
+                </a:schemeClr>
+              </a:solidFill>
+            </a:endParaRPr>
+          </a:p>
+        </p:txBody>
+      </p:sp>
+      <p:sp>
+        <p:nvSpPr>
+          <p:cNvPr id="7" name="TextBox 6"/>
           <p:cNvSpPr txBox="1"/>
           <p:nvPr/>
         </p:nvSpPr>
         <p:spPr>
           <a:xfrm>
-            <a:off x="650557" y="4066158"/>
-            <a:ext cx="5024025" cy="369332"/>
+            <a:off x="1745234" y="1828559"/>
+            <a:ext cx="5165062" cy="369332"/>
           </a:xfrm>
           <a:prstGeom prst="rect">
             <a:avLst/>
@@ -10506,23 +10679,50 @@
           <a:lstStyle/>
           <a:p>
             <a:r>
-              <a:rPr lang="en-US" dirty="0" smtClean="0"/>
-              <a:t>Store the backups into a well organized folder</a:t>
-            </a:r>
-            <a:endParaRPr lang="en-US" dirty="0"/>
-          </a:p>
-        </p:txBody>
-      </p:sp>
-      <p:sp>
-        <p:nvSpPr>
-          <p:cNvPr id="7" name="TextBox 6"/>
+              <a:rPr lang="en-US" dirty="0" err="1">
+                <a:solidFill>
+                  <a:schemeClr val="accent1"/>
+                </a:solidFill>
+              </a:rPr>
+              <a:t>mkdir</a:t>
+            </a:r>
+            <a:r>
+              <a:rPr lang="en-US" dirty="0">
+                <a:solidFill>
+                  <a:schemeClr val="accent1"/>
+                </a:solidFill>
+              </a:rPr>
+              <a:t> -m 705 $</a:t>
+            </a:r>
+            <a:r>
+              <a:rPr lang="en-US" dirty="0" err="1">
+                <a:solidFill>
+                  <a:schemeClr val="accent1"/>
+                </a:solidFill>
+              </a:rPr>
+              <a:t>allbackups</a:t>
+            </a:r>
+            <a:r>
+              <a:rPr lang="en-US" dirty="0">
+                <a:solidFill>
+                  <a:schemeClr val="accent1"/>
+                </a:solidFill>
+              </a:rPr>
+              <a:t>/backup-$date</a:t>
+            </a:r>
+          </a:p>
+        </p:txBody>
+      </p:sp>
+      <p:sp>
+        <p:nvSpPr>
+          <p:cNvPr id="8" name="TextBox 7"/>
           <p:cNvSpPr txBox="1"/>
           <p:nvPr/>
         </p:nvSpPr>
         <p:spPr>
           <a:xfrm>
-            <a:off x="1841035" y="4663849"/>
-            <a:ext cx="5165062" cy="369332"/>
+            <a:off x="3048447" y="2230514"/>
+            <a:ext cx="5919276" cy="369332"/>
           </a:xfrm>
           <a:prstGeom prst="rect">
             <a:avLst/>
@@ -10536,40 +10736,48 @@
           <a:lstStyle/>
           <a:p>
             <a:r>
-              <a:rPr lang="en-US" dirty="0" err="1">
-                <a:solidFill>
-                  <a:schemeClr val="accent1"/>
-                </a:solidFill>
-              </a:rPr>
-              <a:t>mkdir</a:t>
-            </a:r>
-            <a:r>
-              <a:rPr lang="en-US" dirty="0">
-                <a:solidFill>
-                  <a:schemeClr val="accent1"/>
-                </a:solidFill>
-              </a:rPr>
-              <a:t> -m 705 $</a:t>
-            </a:r>
-            <a:r>
-              <a:rPr lang="en-US" dirty="0" err="1">
-                <a:solidFill>
-                  <a:schemeClr val="accent1"/>
+              <a:rPr lang="en-US" i="1" dirty="0" smtClean="0">
+                <a:solidFill>
+                  <a:srgbClr val="595959"/>
+                </a:solidFill>
+              </a:rPr>
+              <a:t>The variable </a:t>
+            </a:r>
+            <a:r>
+              <a:rPr lang="en-US" i="1" dirty="0" smtClean="0">
+                <a:solidFill>
+                  <a:srgbClr val="4F81BD"/>
+                </a:solidFill>
+              </a:rPr>
+              <a:t>$</a:t>
+            </a:r>
+            <a:r>
+              <a:rPr lang="en-US" i="1" dirty="0" err="1" smtClean="0">
+                <a:solidFill>
+                  <a:srgbClr val="4F81BD"/>
                 </a:solidFill>
               </a:rPr>
               <a:t>allbackups</a:t>
             </a:r>
             <a:r>
-              <a:rPr lang="en-US" dirty="0">
-                <a:solidFill>
-                  <a:schemeClr val="accent1"/>
-                </a:solidFill>
-              </a:rPr>
-              <a:t>/backup-$date</a:t>
-            </a:r>
-            <a:endParaRPr lang="en-US" dirty="0">
+              <a:rPr lang="en-US" i="1" dirty="0" smtClean="0">
+                <a:solidFill>
+                  <a:srgbClr val="4F81BD"/>
+                </a:solidFill>
+              </a:rPr>
+              <a:t> </a:t>
+            </a:r>
+            <a:r>
+              <a:rPr lang="en-US" i="1" dirty="0" smtClean="0">
+                <a:solidFill>
+                  <a:srgbClr val="595959"/>
+                </a:solidFill>
+              </a:rPr>
+              <a:t>refers to our backup folder</a:t>
+            </a:r>
+            <a:endParaRPr lang="en-US" i="1" dirty="0">
               <a:solidFill>
-                <a:schemeClr val="accent1"/>
+                <a:srgbClr val="595959"/>
               </a:solidFill>
             </a:endParaRPr>
           </a:p>
@@ -10577,14 +10785,81 @@
       </p:sp>
       <p:sp>
         <p:nvSpPr>
-          <p:cNvPr id="8" name="TextBox 7"/>
+          <p:cNvPr id="10" name="Content Placeholder 2"/>
+          <p:cNvSpPr>
+            <a:spLocks noGrp="1"/>
+          </p:cNvSpPr>
+          <p:nvPr>
+            <p:ph idx="1"/>
+          </p:nvPr>
+        </p:nvSpPr>
+        <p:spPr>
+          <a:xfrm>
+            <a:off x="468147" y="2741717"/>
+            <a:ext cx="7556313" cy="4144963"/>
+          </a:xfrm>
+        </p:spPr>
+        <p:txBody>
+          <a:bodyPr/>
+          <a:lstStyle/>
+          <a:p>
+            <a:pPr marL="0" indent="0">
+              <a:buNone/>
+            </a:pPr>
+            <a:r>
+              <a:rPr lang="en-US" dirty="0" smtClean="0"/>
+              <a:t>A new folder is created at each script execution</a:t>
+            </a:r>
+          </a:p>
+          <a:p>
+            <a:endParaRPr lang="en-US" dirty="0"/>
+          </a:p>
+          <a:p>
+            <a:pPr lvl="5"/>
+            <a:endParaRPr lang="en-US" dirty="0"/>
+          </a:p>
+        </p:txBody>
+      </p:sp>
+      <p:pic>
+        <p:nvPicPr>
+          <p:cNvPr id="11" name="Picture 10" descr="Capture d’écran 2014-05-26 à 12.12.25.png"/>
+          <p:cNvPicPr>
+            <a:picLocks noChangeAspect="1"/>
+          </p:cNvPicPr>
+          <p:nvPr/>
+        </p:nvPicPr>
+        <p:blipFill>
+          <a:blip r:embed="rId2">
+            <a:extLst>
+              <a:ext uri="{28A0092B-C50C-407E-A947-70E740481C1C}">
+                <a14:useLocalDpi xmlns:a14="http://schemas.microsoft.com/office/drawing/2010/main" val="0"/>
+              </a:ext>
+            </a:extLst>
+          </a:blip>
+          <a:stretch>
+            <a:fillRect/>
+          </a:stretch>
+        </p:blipFill>
+        <p:spPr>
+          <a:xfrm>
+            <a:off x="961021" y="3207489"/>
+            <a:ext cx="2476500" cy="3454400"/>
+          </a:xfrm>
+          <a:prstGeom prst="rect">
+            <a:avLst/>
+          </a:prstGeom>
+        </p:spPr>
+      </p:pic>
+      <p:sp>
+        <p:nvSpPr>
+          <p:cNvPr id="12" name="TextBox 11"/>
           <p:cNvSpPr txBox="1"/>
           <p:nvPr/>
         </p:nvSpPr>
         <p:spPr>
           <a:xfrm>
-            <a:off x="650557" y="5371056"/>
-            <a:ext cx="5919276" cy="369332"/>
+            <a:off x="3887958" y="4257587"/>
+            <a:ext cx="4136502" cy="646331"/>
           </a:xfrm>
           <a:prstGeom prst="rect">
             <a:avLst/>
@@ -10598,38 +10873,68 @@
           <a:lstStyle/>
           <a:p>
             <a:r>
-              <a:rPr lang="en-US" i="1" dirty="0" smtClean="0"/>
-              <a:t>The variable </a:t>
-            </a:r>
-            <a:r>
-              <a:rPr lang="en-US" i="1" dirty="0" smtClean="0">
-                <a:solidFill>
-                  <a:srgbClr val="4F81BD"/>
-                </a:solidFill>
-              </a:rPr>
-              <a:t>$</a:t>
-            </a:r>
-            <a:r>
-              <a:rPr lang="en-US" i="1" dirty="0" err="1" smtClean="0">
-                <a:solidFill>
-                  <a:srgbClr val="4F81BD"/>
-                </a:solidFill>
-              </a:rPr>
-              <a:t>allbackups</a:t>
-            </a:r>
-            <a:r>
-              <a:rPr lang="en-US" i="1" dirty="0" smtClean="0">
-                <a:solidFill>
-                  <a:srgbClr val="4F81BD"/>
+              <a:rPr lang="en-US" dirty="0" smtClean="0">
+                <a:solidFill>
+                  <a:schemeClr val="tx1">
+                    <a:lumMod val="50000"/>
+                    <a:lumOff val="50000"/>
+                  </a:schemeClr>
+                </a:solidFill>
+              </a:rPr>
+              <a:t>The date and hour </a:t>
+            </a:r>
+            <a:r>
+              <a:rPr lang="en-US" dirty="0" smtClean="0">
+                <a:solidFill>
+                  <a:schemeClr val="tx1">
+                    <a:lumMod val="50000"/>
+                    <a:lumOff val="50000"/>
+                  </a:schemeClr>
+                </a:solidFill>
+              </a:rPr>
+              <a:t>are</a:t>
+            </a:r>
+            <a:r>
+              <a:rPr lang="en-US" dirty="0" smtClean="0">
+                <a:solidFill>
+                  <a:schemeClr val="tx1">
+                    <a:lumMod val="50000"/>
+                    <a:lumOff val="50000"/>
+                  </a:schemeClr>
                 </a:solidFill>
               </a:rPr>
               <a:t> </a:t>
             </a:r>
             <a:r>
-              <a:rPr lang="en-US" i="1" dirty="0" smtClean="0"/>
-              <a:t>refers to our backup folder</a:t>
-            </a:r>
-            <a:endParaRPr lang="en-US" i="1" dirty="0"/>
+              <a:rPr lang="en-US" dirty="0" smtClean="0">
+                <a:solidFill>
+                  <a:schemeClr val="tx1">
+                    <a:lumMod val="50000"/>
+                    <a:lumOff val="50000"/>
+                  </a:schemeClr>
+                </a:solidFill>
+              </a:rPr>
+              <a:t>added to the </a:t>
+            </a:r>
+            <a:r>
+              <a:rPr lang="en-US" dirty="0" smtClean="0">
+                <a:solidFill>
+                  <a:schemeClr val="tx1">
+                    <a:lumMod val="50000"/>
+                    <a:lumOff val="50000"/>
+                  </a:schemeClr>
+                </a:solidFill>
+              </a:rPr>
+              <a:t>created folders</a:t>
+            </a:r>
+            <a:endParaRPr lang="en-US" dirty="0">
+              <a:solidFill>
+                <a:schemeClr val="tx1">
+                  <a:lumMod val="50000"/>
+                  <a:lumOff val="50000"/>
+                </a:schemeClr>
+              </a:solidFill>
+            </a:endParaRPr>
           </a:p>
         </p:txBody>
       </p:sp>
@@ -10680,7 +10985,7 @@
           <a:p>
             <a:r>
               <a:rPr lang="en-US" dirty="0" smtClean="0"/>
-              <a:t>Result</a:t>
+              <a:t>Execute the script from local</a:t>
             </a:r>
             <a:endParaRPr lang="en-US" dirty="0"/>
           </a:p>
@@ -10688,36 +10993,556 @@
       </p:sp>
       <p:sp>
         <p:nvSpPr>
-          <p:cNvPr id="3" name="Content Placeholder 2"/>
-          <p:cNvSpPr>
-            <a:spLocks noGrp="1"/>
-          </p:cNvSpPr>
-          <p:nvPr>
-            <p:ph idx="1"/>
-          </p:nvPr>
-        </p:nvSpPr>
-        <p:spPr/>
-        <p:txBody>
-          <a:bodyPr/>
-          <a:lstStyle/>
-          <a:p>
-            <a:r>
-              <a:rPr lang="en-US" dirty="0" smtClean="0"/>
-              <a:t>A new folder is created at each script execution</a:t>
-            </a:r>
-          </a:p>
-          <a:p>
-            <a:endParaRPr lang="en-US" dirty="0"/>
-          </a:p>
-          <a:p>
-            <a:pPr lvl="5"/>
-            <a:endParaRPr lang="en-US" dirty="0"/>
+          <p:cNvPr id="9" name="TextBox 8"/>
+          <p:cNvSpPr txBox="1"/>
+          <p:nvPr/>
+        </p:nvSpPr>
+        <p:spPr>
+          <a:xfrm>
+            <a:off x="498474" y="1272689"/>
+            <a:ext cx="7475712" cy="707886"/>
+          </a:xfrm>
+          <a:prstGeom prst="rect">
+            <a:avLst/>
+          </a:prstGeom>
+          <a:noFill/>
+        </p:spPr>
+        <p:txBody>
+          <a:bodyPr wrap="square" rtlCol="0">
+            <a:spAutoFit/>
+          </a:bodyPr>
+          <a:lstStyle/>
+          <a:p>
+            <a:r>
+              <a:rPr lang="en-US" sz="2000" dirty="0" smtClean="0">
+                <a:solidFill>
+                  <a:schemeClr val="tx1">
+                    <a:lumMod val="65000"/>
+                    <a:lumOff val="35000"/>
+                  </a:schemeClr>
+                </a:solidFill>
+              </a:rPr>
+              <a:t>Our problem : </a:t>
+            </a:r>
+            <a:r>
+              <a:rPr lang="en-US" sz="2000" dirty="0" smtClean="0">
+                <a:solidFill>
+                  <a:schemeClr val="accent1"/>
+                </a:solidFill>
+              </a:rPr>
+              <a:t>OVH does not authorized distant access to their 	             SQL servers</a:t>
+            </a:r>
+            <a:endParaRPr lang="en-US" sz="2000" dirty="0">
+              <a:solidFill>
+                <a:schemeClr val="accent1"/>
+              </a:solidFill>
+            </a:endParaRPr>
+          </a:p>
+        </p:txBody>
+      </p:sp>
+      <p:sp>
+        <p:nvSpPr>
+          <p:cNvPr id="10" name="TextBox 9"/>
+          <p:cNvSpPr txBox="1"/>
+          <p:nvPr/>
+        </p:nvSpPr>
+        <p:spPr>
+          <a:xfrm>
+            <a:off x="498474" y="2256694"/>
+            <a:ext cx="7475712" cy="707886"/>
+          </a:xfrm>
+          <a:prstGeom prst="rect">
+            <a:avLst/>
+          </a:prstGeom>
+          <a:noFill/>
+        </p:spPr>
+        <p:txBody>
+          <a:bodyPr wrap="square" rtlCol="0">
+            <a:spAutoFit/>
+          </a:bodyPr>
+          <a:lstStyle/>
+          <a:p>
+            <a:r>
+              <a:rPr lang="en-US" sz="2000" dirty="0" smtClean="0">
+                <a:solidFill>
+                  <a:schemeClr val="tx1">
+                    <a:lumMod val="65000"/>
+                    <a:lumOff val="35000"/>
+                  </a:schemeClr>
+                </a:solidFill>
+              </a:rPr>
+              <a:t>The solution : </a:t>
+            </a:r>
+            <a:r>
+              <a:rPr lang="en-US" sz="2000" dirty="0" smtClean="0">
+                <a:solidFill>
+                  <a:srgbClr val="4F81BD"/>
+                </a:solidFill>
+              </a:rPr>
+              <a:t>Use a local script which will create and execute 	           a distant script on the server</a:t>
+            </a:r>
+            <a:endParaRPr lang="en-US" sz="2000" dirty="0">
+              <a:solidFill>
+                <a:srgbClr val="4F81BD"/>
+              </a:solidFill>
+            </a:endParaRPr>
+          </a:p>
+        </p:txBody>
+      </p:sp>
+      <p:sp>
+        <p:nvSpPr>
+          <p:cNvPr id="11" name="Rectangle 10"/>
+          <p:cNvSpPr/>
+          <p:nvPr/>
+        </p:nvSpPr>
+        <p:spPr>
+          <a:xfrm>
+            <a:off x="697884" y="3306714"/>
+            <a:ext cx="1841957" cy="3013075"/>
+          </a:xfrm>
+          <a:prstGeom prst="rect">
+            <a:avLst/>
+          </a:prstGeom>
+          <a:solidFill>
+            <a:srgbClr val="9BBB59"/>
+          </a:solidFill>
+        </p:spPr>
+        <p:style>
+          <a:lnRef idx="1">
+            <a:schemeClr val="accent1"/>
+          </a:lnRef>
+          <a:fillRef idx="3">
+            <a:schemeClr val="accent1"/>
+          </a:fillRef>
+          <a:effectRef idx="2">
+            <a:schemeClr val="accent1"/>
+          </a:effectRef>
+          <a:fontRef idx="minor">
+            <a:schemeClr val="lt1"/>
+          </a:fontRef>
+        </p:style>
+        <p:txBody>
+          <a:bodyPr rtlCol="0" anchor="ctr"/>
+          <a:lstStyle/>
+          <a:p>
+            <a:pPr algn="ctr"/>
+            <a:endParaRPr lang="en-US"/>
+          </a:p>
+        </p:txBody>
+      </p:sp>
+      <p:sp>
+        <p:nvSpPr>
+          <p:cNvPr id="12" name="TextBox 11"/>
+          <p:cNvSpPr txBox="1"/>
+          <p:nvPr/>
+        </p:nvSpPr>
+        <p:spPr>
+          <a:xfrm>
+            <a:off x="697884" y="3419537"/>
+            <a:ext cx="1841957" cy="369332"/>
+          </a:xfrm>
+          <a:prstGeom prst="rect">
+            <a:avLst/>
+          </a:prstGeom>
+          <a:noFill/>
+        </p:spPr>
+        <p:txBody>
+          <a:bodyPr wrap="square" rtlCol="0">
+            <a:spAutoFit/>
+          </a:bodyPr>
+          <a:lstStyle/>
+          <a:p>
+            <a:pPr algn="ctr"/>
+            <a:r>
+              <a:rPr lang="en-US" dirty="0" smtClean="0">
+                <a:solidFill>
+                  <a:schemeClr val="tx1">
+                    <a:lumMod val="85000"/>
+                    <a:lumOff val="15000"/>
+                  </a:schemeClr>
+                </a:solidFill>
+              </a:rPr>
+              <a:t>Local shell</a:t>
+            </a:r>
+            <a:endParaRPr lang="en-US" dirty="0">
+              <a:solidFill>
+                <a:schemeClr val="tx1">
+                  <a:lumMod val="85000"/>
+                  <a:lumOff val="15000"/>
+                </a:schemeClr>
+              </a:solidFill>
+            </a:endParaRPr>
+          </a:p>
+        </p:txBody>
+      </p:sp>
+      <p:cxnSp>
+        <p:nvCxnSpPr>
+          <p:cNvPr id="14" name="Straight Arrow Connector 13"/>
+          <p:cNvCxnSpPr/>
+          <p:nvPr/>
+        </p:nvCxnSpPr>
+        <p:spPr>
+          <a:xfrm>
+            <a:off x="2539841" y="4004672"/>
+            <a:ext cx="1098310" cy="13395"/>
+          </a:xfrm>
+          <a:prstGeom prst="straightConnector1">
+            <a:avLst/>
+          </a:prstGeom>
+          <a:ln>
+            <a:tailEnd type="arrow"/>
+          </a:ln>
+        </p:spPr>
+        <p:style>
+          <a:lnRef idx="2">
+            <a:schemeClr val="accent1"/>
+          </a:lnRef>
+          <a:fillRef idx="0">
+            <a:schemeClr val="accent1"/>
+          </a:fillRef>
+          <a:effectRef idx="1">
+            <a:schemeClr val="accent1"/>
+          </a:effectRef>
+          <a:fontRef idx="minor">
+            <a:schemeClr val="tx1"/>
+          </a:fontRef>
+        </p:style>
+      </p:cxnSp>
+      <p:sp>
+        <p:nvSpPr>
+          <p:cNvPr id="15" name="TextBox 14"/>
+          <p:cNvSpPr txBox="1"/>
+          <p:nvPr/>
+        </p:nvSpPr>
+        <p:spPr>
+          <a:xfrm>
+            <a:off x="697884" y="3880761"/>
+            <a:ext cx="1841957" cy="738664"/>
+          </a:xfrm>
+          <a:prstGeom prst="rect">
+            <a:avLst/>
+          </a:prstGeom>
+          <a:noFill/>
+        </p:spPr>
+        <p:txBody>
+          <a:bodyPr wrap="square" rtlCol="0">
+            <a:spAutoFit/>
+          </a:bodyPr>
+          <a:lstStyle/>
+          <a:p>
+            <a:pPr algn="ctr"/>
+            <a:r>
+              <a:rPr lang="en-US" sz="1400" i="1" dirty="0">
+                <a:solidFill>
+                  <a:schemeClr val="bg1"/>
+                </a:solidFill>
+              </a:rPr>
+              <a:t>e</a:t>
+            </a:r>
+            <a:r>
+              <a:rPr lang="en-US" sz="1400" i="1" dirty="0" smtClean="0">
+                <a:solidFill>
+                  <a:schemeClr val="bg1"/>
+                </a:solidFill>
+              </a:rPr>
+              <a:t>xecute script which will create a script on the server</a:t>
+            </a:r>
+            <a:endParaRPr lang="en-US" sz="1400" i="1" dirty="0">
+              <a:solidFill>
+                <a:schemeClr val="bg1"/>
+              </a:solidFill>
+            </a:endParaRPr>
+          </a:p>
+        </p:txBody>
+      </p:sp>
+      <p:sp>
+        <p:nvSpPr>
+          <p:cNvPr id="17" name="Rectangle 16"/>
+          <p:cNvSpPr/>
+          <p:nvPr/>
+        </p:nvSpPr>
+        <p:spPr>
+          <a:xfrm>
+            <a:off x="3638151" y="3306715"/>
+            <a:ext cx="1841957" cy="1407356"/>
+          </a:xfrm>
+          <a:prstGeom prst="rect">
+            <a:avLst/>
+          </a:prstGeom>
+        </p:spPr>
+        <p:style>
+          <a:lnRef idx="1">
+            <a:schemeClr val="accent1"/>
+          </a:lnRef>
+          <a:fillRef idx="3">
+            <a:schemeClr val="accent1"/>
+          </a:fillRef>
+          <a:effectRef idx="2">
+            <a:schemeClr val="accent1"/>
+          </a:effectRef>
+          <a:fontRef idx="minor">
+            <a:schemeClr val="lt1"/>
+          </a:fontRef>
+        </p:style>
+        <p:txBody>
+          <a:bodyPr rtlCol="0" anchor="ctr"/>
+          <a:lstStyle/>
+          <a:p>
+            <a:pPr algn="ctr"/>
+            <a:endParaRPr lang="en-US"/>
+          </a:p>
+        </p:txBody>
+      </p:sp>
+      <p:sp>
+        <p:nvSpPr>
+          <p:cNvPr id="18" name="TextBox 17"/>
+          <p:cNvSpPr txBox="1"/>
+          <p:nvPr/>
+        </p:nvSpPr>
+        <p:spPr>
+          <a:xfrm>
+            <a:off x="3638151" y="3417943"/>
+            <a:ext cx="1841957" cy="369332"/>
+          </a:xfrm>
+          <a:prstGeom prst="rect">
+            <a:avLst/>
+          </a:prstGeom>
+          <a:noFill/>
+        </p:spPr>
+        <p:txBody>
+          <a:bodyPr wrap="square" rtlCol="0">
+            <a:spAutoFit/>
+          </a:bodyPr>
+          <a:lstStyle/>
+          <a:p>
+            <a:pPr algn="ctr"/>
+            <a:r>
+              <a:rPr lang="en-US" dirty="0" smtClean="0">
+                <a:solidFill>
+                  <a:schemeClr val="tx1">
+                    <a:lumMod val="85000"/>
+                    <a:lumOff val="15000"/>
+                  </a:schemeClr>
+                </a:solidFill>
+              </a:rPr>
+              <a:t>FTP shell</a:t>
+            </a:r>
+            <a:endParaRPr lang="en-US" dirty="0">
+              <a:solidFill>
+                <a:schemeClr val="tx1">
+                  <a:lumMod val="85000"/>
+                  <a:lumOff val="15000"/>
+                </a:schemeClr>
+              </a:solidFill>
+            </a:endParaRPr>
+          </a:p>
+        </p:txBody>
+      </p:sp>
+      <p:sp>
+        <p:nvSpPr>
+          <p:cNvPr id="19" name="TextBox 18"/>
+          <p:cNvSpPr txBox="1"/>
+          <p:nvPr/>
+        </p:nvSpPr>
+        <p:spPr>
+          <a:xfrm>
+            <a:off x="3638151" y="3942316"/>
+            <a:ext cx="1841957" cy="307777"/>
+          </a:xfrm>
+          <a:prstGeom prst="rect">
+            <a:avLst/>
+          </a:prstGeom>
+          <a:noFill/>
+        </p:spPr>
+        <p:txBody>
+          <a:bodyPr wrap="square" rtlCol="0">
+            <a:spAutoFit/>
+          </a:bodyPr>
+          <a:lstStyle/>
+          <a:p>
+            <a:pPr algn="ctr"/>
+            <a:r>
+              <a:rPr lang="en-US" sz="1400" i="1" dirty="0">
+                <a:solidFill>
+                  <a:schemeClr val="bg1"/>
+                </a:solidFill>
+              </a:rPr>
+              <a:t>e</a:t>
+            </a:r>
+            <a:r>
+              <a:rPr lang="en-US" sz="1400" i="1" dirty="0" smtClean="0">
+                <a:solidFill>
+                  <a:schemeClr val="bg1"/>
+                </a:solidFill>
+              </a:rPr>
+              <a:t>xecute new script</a:t>
+            </a:r>
+            <a:endParaRPr lang="en-US" sz="1400" i="1" dirty="0">
+              <a:solidFill>
+                <a:schemeClr val="bg1"/>
+              </a:solidFill>
+            </a:endParaRPr>
+          </a:p>
+        </p:txBody>
+      </p:sp>
+      <p:cxnSp>
+        <p:nvCxnSpPr>
+          <p:cNvPr id="24" name="Straight Arrow Connector 23"/>
+          <p:cNvCxnSpPr/>
+          <p:nvPr/>
+        </p:nvCxnSpPr>
+        <p:spPr>
+          <a:xfrm>
+            <a:off x="5480108" y="4004672"/>
+            <a:ext cx="1098310" cy="13395"/>
+          </a:xfrm>
+          <a:prstGeom prst="straightConnector1">
+            <a:avLst/>
+          </a:prstGeom>
+          <a:ln>
+            <a:tailEnd type="arrow"/>
+          </a:ln>
+        </p:spPr>
+        <p:style>
+          <a:lnRef idx="2">
+            <a:schemeClr val="accent1"/>
+          </a:lnRef>
+          <a:fillRef idx="0">
+            <a:schemeClr val="accent1"/>
+          </a:fillRef>
+          <a:effectRef idx="1">
+            <a:schemeClr val="accent1"/>
+          </a:effectRef>
+          <a:fontRef idx="minor">
+            <a:schemeClr val="tx1"/>
+          </a:fontRef>
+        </p:style>
+      </p:cxnSp>
+      <p:sp>
+        <p:nvSpPr>
+          <p:cNvPr id="25" name="Rectangle 24"/>
+          <p:cNvSpPr/>
+          <p:nvPr/>
+        </p:nvSpPr>
+        <p:spPr>
+          <a:xfrm>
+            <a:off x="6578418" y="3306715"/>
+            <a:ext cx="1841957" cy="1407356"/>
+          </a:xfrm>
+          <a:prstGeom prst="rect">
+            <a:avLst/>
+          </a:prstGeom>
+        </p:spPr>
+        <p:style>
+          <a:lnRef idx="1">
+            <a:schemeClr val="accent1"/>
+          </a:lnRef>
+          <a:fillRef idx="3">
+            <a:schemeClr val="accent1"/>
+          </a:fillRef>
+          <a:effectRef idx="2">
+            <a:schemeClr val="accent1"/>
+          </a:effectRef>
+          <a:fontRef idx="minor">
+            <a:schemeClr val="lt1"/>
+          </a:fontRef>
+        </p:style>
+        <p:txBody>
+          <a:bodyPr rtlCol="0" anchor="ctr"/>
+          <a:lstStyle/>
+          <a:p>
+            <a:pPr algn="ctr"/>
+            <a:endParaRPr lang="en-US"/>
+          </a:p>
+        </p:txBody>
+      </p:sp>
+      <p:sp>
+        <p:nvSpPr>
+          <p:cNvPr id="26" name="TextBox 25"/>
+          <p:cNvSpPr txBox="1"/>
+          <p:nvPr/>
+        </p:nvSpPr>
+        <p:spPr>
+          <a:xfrm>
+            <a:off x="6578418" y="3419537"/>
+            <a:ext cx="1841957" cy="369332"/>
+          </a:xfrm>
+          <a:prstGeom prst="rect">
+            <a:avLst/>
+          </a:prstGeom>
+          <a:noFill/>
+        </p:spPr>
+        <p:txBody>
+          <a:bodyPr wrap="square" rtlCol="0">
+            <a:spAutoFit/>
+          </a:bodyPr>
+          <a:lstStyle/>
+          <a:p>
+            <a:pPr algn="ctr"/>
+            <a:r>
+              <a:rPr lang="en-US" dirty="0" smtClean="0">
+                <a:solidFill>
+                  <a:schemeClr val="tx1">
+                    <a:lumMod val="85000"/>
+                    <a:lumOff val="15000"/>
+                  </a:schemeClr>
+                </a:solidFill>
+              </a:rPr>
+              <a:t>FTP shell</a:t>
+            </a:r>
+            <a:endParaRPr lang="en-US" dirty="0">
+              <a:solidFill>
+                <a:schemeClr val="tx1">
+                  <a:lumMod val="85000"/>
+                  <a:lumOff val="15000"/>
+                </a:schemeClr>
+              </a:solidFill>
+            </a:endParaRPr>
+          </a:p>
+        </p:txBody>
+      </p:sp>
+      <p:sp>
+        <p:nvSpPr>
+          <p:cNvPr id="27" name="TextBox 26"/>
+          <p:cNvSpPr txBox="1"/>
+          <p:nvPr/>
+        </p:nvSpPr>
+        <p:spPr>
+          <a:xfrm>
+            <a:off x="6584137" y="3942316"/>
+            <a:ext cx="1841957" cy="307777"/>
+          </a:xfrm>
+          <a:prstGeom prst="rect">
+            <a:avLst/>
+          </a:prstGeom>
+          <a:noFill/>
+        </p:spPr>
+        <p:txBody>
+          <a:bodyPr wrap="square" rtlCol="0">
+            <a:spAutoFit/>
+          </a:bodyPr>
+          <a:lstStyle/>
+          <a:p>
+            <a:pPr algn="ctr"/>
+            <a:r>
+              <a:rPr lang="en-US" sz="1400" i="1" dirty="0" smtClean="0">
+                <a:solidFill>
+                  <a:schemeClr val="bg1"/>
+                </a:solidFill>
+              </a:rPr>
+              <a:t>run backup</a:t>
+            </a:r>
+            <a:endParaRPr lang="en-US" sz="1400" i="1" dirty="0">
+              <a:solidFill>
+                <a:schemeClr val="bg1"/>
+              </a:solidFill>
+            </a:endParaRPr>
           </a:p>
         </p:txBody>
       </p:sp>
       <p:pic>
         <p:nvPicPr>
-          <p:cNvPr id="4" name="Picture 3" descr="Capture d’écran 2014-05-26 à 12.12.25.png"/>
+          <p:cNvPr id="28" name="Picture 27" descr="mysql.png"/>
           <p:cNvPicPr>
             <a:picLocks noChangeAspect="1"/>
           </p:cNvPicPr>
@@ -10737,24 +11562,146 @@
         </p:blipFill>
         <p:spPr>
           <a:xfrm>
-            <a:off x="705673" y="2671763"/>
-            <a:ext cx="2476500" cy="3454400"/>
+            <a:off x="7220430" y="5560772"/>
+            <a:ext cx="753756" cy="389980"/>
           </a:xfrm>
           <a:prstGeom prst="rect">
             <a:avLst/>
           </a:prstGeom>
         </p:spPr>
       </p:pic>
-      <p:sp>
-        <p:nvSpPr>
-          <p:cNvPr id="5" name="TextBox 4"/>
+      <p:cxnSp>
+        <p:nvCxnSpPr>
+          <p:cNvPr id="30" name="Straight Arrow Connector 29"/>
+          <p:cNvCxnSpPr>
+            <a:stCxn id="25" idx="2"/>
+          </p:cNvCxnSpPr>
+          <p:nvPr/>
+        </p:nvCxnSpPr>
+        <p:spPr>
+          <a:xfrm>
+            <a:off x="7499397" y="4714071"/>
+            <a:ext cx="5719" cy="686515"/>
+          </a:xfrm>
+          <a:prstGeom prst="straightConnector1">
+            <a:avLst/>
+          </a:prstGeom>
+          <a:ln>
+            <a:tailEnd type="arrow"/>
+          </a:ln>
+        </p:spPr>
+        <p:style>
+          <a:lnRef idx="2">
+            <a:schemeClr val="accent1"/>
+          </a:lnRef>
+          <a:fillRef idx="0">
+            <a:schemeClr val="accent1"/>
+          </a:fillRef>
+          <a:effectRef idx="1">
+            <a:schemeClr val="accent1"/>
+          </a:effectRef>
+          <a:fontRef idx="minor">
+            <a:schemeClr val="tx1"/>
+          </a:fontRef>
+        </p:style>
+      </p:cxnSp>
+      <p:sp>
+        <p:nvSpPr>
+          <p:cNvPr id="31" name="Line Callout 2 30"/>
+          <p:cNvSpPr/>
+          <p:nvPr/>
+        </p:nvSpPr>
+        <p:spPr>
+          <a:xfrm>
+            <a:off x="7791134" y="4912433"/>
+            <a:ext cx="1052547" cy="211016"/>
+          </a:xfrm>
+          <a:prstGeom prst="borderCallout2">
+            <a:avLst>
+              <a:gd name="adj1" fmla="val 29595"/>
+              <a:gd name="adj2" fmla="val -2898"/>
+              <a:gd name="adj3" fmla="val 29595"/>
+              <a:gd name="adj4" fmla="val -18841"/>
+              <a:gd name="adj5" fmla="val 107078"/>
+              <a:gd name="adj6" fmla="val -28189"/>
+            </a:avLst>
+          </a:prstGeom>
+        </p:spPr>
+        <p:style>
+          <a:lnRef idx="1">
+            <a:schemeClr val="accent1"/>
+          </a:lnRef>
+          <a:fillRef idx="3">
+            <a:schemeClr val="accent1"/>
+          </a:fillRef>
+          <a:effectRef idx="2">
+            <a:schemeClr val="accent1"/>
+          </a:effectRef>
+          <a:fontRef idx="minor">
+            <a:schemeClr val="lt1"/>
+          </a:fontRef>
+        </p:style>
+        <p:txBody>
+          <a:bodyPr rtlCol="0" anchor="ctr"/>
+          <a:lstStyle/>
+          <a:p>
+            <a:pPr algn="ctr"/>
+            <a:r>
+              <a:rPr lang="en-US" sz="1200" dirty="0" smtClean="0"/>
+              <a:t>Connect to</a:t>
+            </a:r>
+            <a:endParaRPr lang="en-US" sz="1200" dirty="0"/>
+          </a:p>
+        </p:txBody>
+      </p:sp>
+      <p:sp>
+        <p:nvSpPr>
+          <p:cNvPr id="32" name="Rectangle 31"/>
+          <p:cNvSpPr/>
+          <p:nvPr/>
+        </p:nvSpPr>
+        <p:spPr>
+          <a:xfrm>
+            <a:off x="3638151" y="4912433"/>
+            <a:ext cx="1841957" cy="1407356"/>
+          </a:xfrm>
+          <a:prstGeom prst="rect">
+            <a:avLst/>
+          </a:prstGeom>
+        </p:spPr>
+        <p:style>
+          <a:lnRef idx="1">
+            <a:schemeClr val="accent1"/>
+          </a:lnRef>
+          <a:fillRef idx="3">
+            <a:schemeClr val="accent1"/>
+          </a:fillRef>
+          <a:effectRef idx="2">
+            <a:schemeClr val="accent1"/>
+          </a:effectRef>
+          <a:fontRef idx="minor">
+            <a:schemeClr val="lt1"/>
+          </a:fontRef>
+        </p:style>
+        <p:txBody>
+          <a:bodyPr rtlCol="0" anchor="ctr"/>
+          <a:lstStyle/>
+          <a:p>
+            <a:pPr algn="ctr"/>
+            <a:endParaRPr lang="en-US"/>
+          </a:p>
+        </p:txBody>
+      </p:sp>
+      <p:sp>
+        <p:nvSpPr>
+          <p:cNvPr id="33" name="TextBox 32"/>
           <p:cNvSpPr txBox="1"/>
           <p:nvPr/>
         </p:nvSpPr>
         <p:spPr>
           <a:xfrm>
-            <a:off x="3588853" y="2671763"/>
-            <a:ext cx="4136502" cy="646331"/>
+            <a:off x="3638151" y="5017941"/>
+            <a:ext cx="1841957" cy="369332"/>
           </a:xfrm>
           <a:prstGeom prst="rect">
             <a:avLst/>
@@ -10767,23 +11714,170 @@
           </a:bodyPr>
           <a:lstStyle/>
           <a:p>
+            <a:pPr algn="ctr"/>
             <a:r>
               <a:rPr lang="en-US" dirty="0" smtClean="0">
                 <a:solidFill>
                   <a:schemeClr val="tx1">
-                    <a:lumMod val="50000"/>
-                    <a:lumOff val="50000"/>
+                    <a:lumMod val="85000"/>
+                    <a:lumOff val="15000"/>
                   </a:schemeClr>
                 </a:solidFill>
               </a:rPr>
-              <a:t>The date and hour is added to the automatically created folder</a:t>
+              <a:t>FTP shell</a:t>
             </a:r>
             <a:endParaRPr lang="en-US" dirty="0">
               <a:solidFill>
                 <a:schemeClr val="tx1">
-                  <a:lumMod val="50000"/>
-                  <a:lumOff val="50000"/>
+                  <a:lumMod val="85000"/>
+                  <a:lumOff val="15000"/>
                 </a:schemeClr>
+              </a:solidFill>
+            </a:endParaRPr>
+          </a:p>
+        </p:txBody>
+      </p:sp>
+      <p:sp>
+        <p:nvSpPr>
+          <p:cNvPr id="34" name="TextBox 33"/>
+          <p:cNvSpPr txBox="1"/>
+          <p:nvPr/>
+        </p:nvSpPr>
+        <p:spPr>
+          <a:xfrm>
+            <a:off x="3638151" y="5498417"/>
+            <a:ext cx="1841957" cy="523220"/>
+          </a:xfrm>
+          <a:prstGeom prst="rect">
+            <a:avLst/>
+          </a:prstGeom>
+          <a:noFill/>
+        </p:spPr>
+        <p:txBody>
+          <a:bodyPr wrap="square" rtlCol="0">
+            <a:spAutoFit/>
+          </a:bodyPr>
+          <a:lstStyle/>
+          <a:p>
+            <a:pPr algn="ctr"/>
+            <a:r>
+              <a:rPr lang="en-US" sz="1400" i="1" dirty="0" smtClean="0">
+                <a:solidFill>
+                  <a:schemeClr val="bg1"/>
+                </a:solidFill>
+              </a:rPr>
+              <a:t>send back the files to the local computer</a:t>
+            </a:r>
+            <a:endParaRPr lang="en-US" sz="1400" i="1" dirty="0">
+              <a:solidFill>
+                <a:schemeClr val="bg1"/>
+              </a:solidFill>
+            </a:endParaRPr>
+          </a:p>
+        </p:txBody>
+      </p:sp>
+      <p:cxnSp>
+        <p:nvCxnSpPr>
+          <p:cNvPr id="36" name="Straight Arrow Connector 35"/>
+          <p:cNvCxnSpPr>
+            <a:endCxn id="32" idx="3"/>
+          </p:cNvCxnSpPr>
+          <p:nvPr/>
+        </p:nvCxnSpPr>
+        <p:spPr>
+          <a:xfrm flipH="1">
+            <a:off x="5480108" y="5616111"/>
+            <a:ext cx="1104029" cy="0"/>
+          </a:xfrm>
+          <a:prstGeom prst="straightConnector1">
+            <a:avLst/>
+          </a:prstGeom>
+          <a:ln>
+            <a:tailEnd type="arrow"/>
+          </a:ln>
+        </p:spPr>
+        <p:style>
+          <a:lnRef idx="2">
+            <a:schemeClr val="accent1"/>
+          </a:lnRef>
+          <a:fillRef idx="0">
+            <a:schemeClr val="accent1"/>
+          </a:fillRef>
+          <a:effectRef idx="1">
+            <a:schemeClr val="accent1"/>
+          </a:effectRef>
+          <a:fontRef idx="minor">
+            <a:schemeClr val="tx1"/>
+          </a:fontRef>
+        </p:style>
+      </p:cxnSp>
+      <p:cxnSp>
+        <p:nvCxnSpPr>
+          <p:cNvPr id="40" name="Straight Arrow Connector 39"/>
+          <p:cNvCxnSpPr/>
+          <p:nvPr/>
+        </p:nvCxnSpPr>
+        <p:spPr>
+          <a:xfrm flipH="1">
+            <a:off x="2539841" y="5616111"/>
+            <a:ext cx="1098310" cy="0"/>
+          </a:xfrm>
+          <a:prstGeom prst="straightConnector1">
+            <a:avLst/>
+          </a:prstGeom>
+          <a:ln>
+            <a:tailEnd type="arrow"/>
+          </a:ln>
+        </p:spPr>
+        <p:style>
+          <a:lnRef idx="2">
+            <a:schemeClr val="accent1"/>
+          </a:lnRef>
+          <a:fillRef idx="0">
+            <a:schemeClr val="accent1"/>
+          </a:fillRef>
+          <a:effectRef idx="1">
+            <a:schemeClr val="accent1"/>
+          </a:effectRef>
+          <a:fontRef idx="minor">
+            <a:schemeClr val="tx1"/>
+          </a:fontRef>
+        </p:style>
+      </p:cxnSp>
+      <p:sp>
+        <p:nvSpPr>
+          <p:cNvPr id="41" name="TextBox 40"/>
+          <p:cNvSpPr txBox="1"/>
+          <p:nvPr/>
+        </p:nvSpPr>
+        <p:spPr>
+          <a:xfrm>
+            <a:off x="697884" y="5312153"/>
+            <a:ext cx="1841957" cy="738664"/>
+          </a:xfrm>
+          <a:prstGeom prst="rect">
+            <a:avLst/>
+          </a:prstGeom>
+          <a:noFill/>
+        </p:spPr>
+        <p:txBody>
+          <a:bodyPr wrap="square" rtlCol="0">
+            <a:spAutoFit/>
+          </a:bodyPr>
+          <a:lstStyle/>
+          <a:p>
+            <a:pPr algn="ctr"/>
+            <a:r>
+              <a:rPr lang="en-US" sz="1400" i="1" dirty="0" smtClean="0">
+                <a:solidFill>
+                  <a:schemeClr val="bg1"/>
+                </a:solidFill>
+              </a:rPr>
+              <a:t>Store the files at the destination folder you want !</a:t>
+            </a:r>
+            <a:endParaRPr lang="en-US" sz="1400" i="1" dirty="0">
+              <a:solidFill>
+                <a:schemeClr val="bg1"/>
               </a:solidFill>
             </a:endParaRPr>
           </a:p>
@@ -10836,7 +11930,7 @@
           <a:p>
             <a:r>
               <a:rPr lang="en-US" dirty="0" smtClean="0"/>
-              <a:t>Solved problems</a:t>
+              <a:t>Easy configurable script</a:t>
             </a:r>
             <a:endParaRPr lang="en-US" dirty="0"/>
           </a:p>
@@ -10844,119 +11938,104 @@
       </p:sp>
       <p:sp>
         <p:nvSpPr>
-          <p:cNvPr id="3" name="Content Placeholder 2"/>
-          <p:cNvSpPr>
-            <a:spLocks noGrp="1"/>
-          </p:cNvSpPr>
-          <p:nvPr>
-            <p:ph idx="1"/>
-          </p:nvPr>
-        </p:nvSpPr>
-        <p:spPr/>
-        <p:txBody>
-          <a:bodyPr/>
-          <a:lstStyle/>
-          <a:p>
-            <a:r>
-              <a:rPr lang="en-US" dirty="0" smtClean="0"/>
-              <a:t>Make a script executable using the </a:t>
-            </a:r>
-            <a:r>
-              <a:rPr lang="en-US" dirty="0" err="1" smtClean="0">
-                <a:solidFill>
-                  <a:srgbClr val="4F81BD"/>
-                </a:solidFill>
-              </a:rPr>
-              <a:t>chmod</a:t>
-            </a:r>
-            <a:r>
-              <a:rPr lang="en-US" dirty="0" smtClean="0"/>
-              <a:t> command :</a:t>
-            </a:r>
-          </a:p>
-          <a:p>
-            <a:pPr lvl="1"/>
-            <a:r>
-              <a:rPr lang="en-US" dirty="0" err="1" smtClean="0">
+          <p:cNvPr id="9" name="TextBox 8"/>
+          <p:cNvSpPr txBox="1"/>
+          <p:nvPr/>
+        </p:nvSpPr>
+        <p:spPr>
+          <a:xfrm>
+            <a:off x="498474" y="1272689"/>
+            <a:ext cx="7475712" cy="707886"/>
+          </a:xfrm>
+          <a:prstGeom prst="rect">
+            <a:avLst/>
+          </a:prstGeom>
+          <a:noFill/>
+        </p:spPr>
+        <p:txBody>
+          <a:bodyPr wrap="square" rtlCol="0">
+            <a:spAutoFit/>
+          </a:bodyPr>
+          <a:lstStyle/>
+          <a:p>
+            <a:r>
+              <a:rPr lang="en-US" sz="2000" dirty="0" smtClean="0">
+                <a:solidFill>
+                  <a:schemeClr val="tx1">
+                    <a:lumMod val="65000"/>
+                    <a:lumOff val="35000"/>
+                  </a:schemeClr>
+                </a:solidFill>
+              </a:rPr>
+              <a:t>Why : </a:t>
+            </a:r>
+            <a:r>
+              <a:rPr lang="en-US" sz="2000" dirty="0" smtClean="0">
                 <a:solidFill>
                   <a:schemeClr val="accent1"/>
                 </a:solidFill>
               </a:rPr>
-              <a:t>chmod</a:t>
-            </a:r>
-            <a:r>
-              <a:rPr lang="en-US" dirty="0" smtClean="0">
-                <a:solidFill>
-                  <a:schemeClr val="accent1"/>
-                </a:solidFill>
-              </a:rPr>
-              <a:t>  +x  </a:t>
-            </a:r>
-            <a:r>
-              <a:rPr lang="en-US" dirty="0" err="1" smtClean="0">
-                <a:solidFill>
-                  <a:schemeClr val="accent1"/>
-                </a:solidFill>
-              </a:rPr>
-              <a:t>script.sh</a:t>
-            </a:r>
-            <a:r>
-              <a:rPr lang="en-US" dirty="0" smtClean="0">
-                <a:solidFill>
-                  <a:schemeClr val="accent1"/>
-                </a:solidFill>
-              </a:rPr>
-              <a:t> </a:t>
-            </a:r>
-          </a:p>
-          <a:p>
-            <a:r>
-              <a:rPr lang="en-US" dirty="0" smtClean="0"/>
-              <a:t>Access to OVH databases from local computer</a:t>
-            </a:r>
-          </a:p>
-          <a:p>
-            <a:pPr lvl="1"/>
-            <a:r>
-              <a:rPr lang="en-US" dirty="0" smtClean="0"/>
-              <a:t>OVH does not authorize external access to its databases </a:t>
-            </a:r>
-          </a:p>
-          <a:p>
-            <a:r>
-              <a:rPr lang="en-US" dirty="0" smtClean="0"/>
-              <a:t>Run a script on OVH</a:t>
-            </a:r>
-          </a:p>
-          <a:p>
-            <a:pPr lvl="1"/>
-            <a:r>
-              <a:rPr lang="en-US" dirty="0" smtClean="0"/>
-              <a:t>OVH authorize some </a:t>
-            </a:r>
-            <a:r>
-              <a:rPr lang="en-US" smtClean="0"/>
-              <a:t>script commands </a:t>
-            </a:r>
-            <a:r>
-              <a:rPr lang="en-US" dirty="0" smtClean="0"/>
-              <a:t>(all which is used in our project </a:t>
-            </a:r>
-            <a:r>
-              <a:rPr lang="en-US" smtClean="0"/>
-              <a:t>is authorized)</a:t>
-            </a:r>
-            <a:endParaRPr lang="en-US" dirty="0" smtClean="0"/>
-          </a:p>
-          <a:p>
-            <a:endParaRPr lang="en-US" dirty="0"/>
-          </a:p>
-        </p:txBody>
-      </p:sp>
+              <a:t>script composed to be easily adaptable according to users FTP and SQL profiles : just set variables and run it !</a:t>
+            </a:r>
+            <a:endParaRPr lang="en-US" sz="2000" dirty="0">
+              <a:solidFill>
+                <a:schemeClr val="accent1"/>
+              </a:solidFill>
+            </a:endParaRPr>
+          </a:p>
+        </p:txBody>
+      </p:sp>
+      <p:pic>
+        <p:nvPicPr>
+          <p:cNvPr id="3" name="Picture 2"/>
+          <p:cNvPicPr>
+            <a:picLocks noChangeAspect="1"/>
+          </p:cNvPicPr>
+          <p:nvPr/>
+        </p:nvPicPr>
+        <p:blipFill>
+          <a:blip r:embed="rId2">
+            <a:extLst>
+              <a:ext uri="{28A0092B-C50C-407E-A947-70E740481C1C}">
+                <a14:useLocalDpi xmlns:a14="http://schemas.microsoft.com/office/drawing/2010/main" val="0"/>
+              </a:ext>
+            </a:extLst>
+          </a:blip>
+          <a:stretch>
+            <a:fillRect/>
+          </a:stretch>
+        </p:blipFill>
+        <p:spPr>
+          <a:xfrm>
+            <a:off x="2008650" y="2537580"/>
+            <a:ext cx="4993074" cy="3268847"/>
+          </a:xfrm>
+          <a:prstGeom prst="rect">
+            <a:avLst/>
+          </a:prstGeom>
+          <a:ln>
+            <a:noFill/>
+          </a:ln>
+          <a:effectLst>
+            <a:reflection blurRad="12700" stA="30000" endPos="30000" dist="5000" dir="5400000" sy="-100000" algn="bl" rotWithShape="0"/>
+          </a:effectLst>
+          <a:scene3d>
+            <a:camera prst="perspectiveContrastingLeftFacing">
+              <a:rot lat="300000" lon="19800000" rev="0"/>
+            </a:camera>
+            <a:lightRig rig="threePt" dir="t">
+              <a:rot lat="0" lon="0" rev="2700000"/>
+            </a:lightRig>
+          </a:scene3d>
+          <a:sp3d>
+            <a:bevelT w="63500" h="50800"/>
+          </a:sp3d>
+        </p:spPr>
+      </p:pic>
     </p:spTree>
     <p:extLst>
       <p:ext uri="{BB962C8B-B14F-4D97-AF65-F5344CB8AC3E}">
-        <p14:creationId xmlns:p14="http://schemas.microsoft.com/office/powerpoint/2010/main" val="2621545615"/>
+        <p14:creationId xmlns:p14="http://schemas.microsoft.com/office/powerpoint/2010/main" val="3764431576"/>
       </p:ext>
     </p:extLst>
   </p:cSld>
@@ -11000,7 +12079,7 @@
           <a:p>
             <a:r>
               <a:rPr lang="en-US" dirty="0" smtClean="0"/>
-              <a:t>Issues</a:t>
+              <a:t>Solved problems</a:t>
             </a:r>
             <a:endParaRPr lang="en-US" dirty="0"/>
           </a:p>
@@ -11023,19 +12102,90 @@
           <a:p>
             <a:r>
               <a:rPr lang="en-US" dirty="0" smtClean="0"/>
-              <a:t>Dump only tables with a prefix “</a:t>
-            </a:r>
-            <a:r>
-              <a:rPr lang="en-US" dirty="0" err="1" smtClean="0"/>
-              <a:t>myprefix</a:t>
-            </a:r>
-            <a:r>
-              <a:rPr lang="en-US" dirty="0" smtClean="0"/>
-              <a:t>”</a:t>
-            </a:r>
-          </a:p>
-          <a:p>
-            <a:endParaRPr lang="en-US" dirty="0"/>
+              <a:t>Make a script executable using the </a:t>
+            </a:r>
+            <a:r>
+              <a:rPr lang="en-US" dirty="0" err="1" smtClean="0">
+                <a:solidFill>
+                  <a:srgbClr val="4F81BD"/>
+                </a:solidFill>
+              </a:rPr>
+              <a:t>chmod</a:t>
+            </a:r>
+            <a:r>
+              <a:rPr lang="en-US" dirty="0" smtClean="0"/>
+              <a:t> command :</a:t>
+            </a:r>
+          </a:p>
+          <a:p>
+            <a:pPr lvl="1"/>
+            <a:r>
+              <a:rPr lang="en-US" dirty="0" err="1" smtClean="0">
+                <a:solidFill>
+                  <a:schemeClr val="accent1"/>
+                </a:solidFill>
+              </a:rPr>
+              <a:t>chmod</a:t>
+            </a:r>
+            <a:r>
+              <a:rPr lang="en-US" dirty="0" smtClean="0">
+                <a:solidFill>
+                  <a:schemeClr val="accent1"/>
+                </a:solidFill>
+              </a:rPr>
+              <a:t>  +x  </a:t>
+            </a:r>
+            <a:r>
+              <a:rPr lang="en-US" dirty="0" err="1" smtClean="0">
+                <a:solidFill>
+                  <a:schemeClr val="accent1"/>
+                </a:solidFill>
+              </a:rPr>
+              <a:t>script.sh</a:t>
+            </a:r>
+            <a:r>
+              <a:rPr lang="en-US" dirty="0" smtClean="0">
+                <a:solidFill>
+                  <a:schemeClr val="accent1"/>
+                </a:solidFill>
+              </a:rPr>
+              <a:t> </a:t>
+            </a:r>
+          </a:p>
+          <a:p>
+            <a:r>
+              <a:rPr lang="en-US" dirty="0" smtClean="0"/>
+              <a:t>Access to OVH databases from local computer</a:t>
+            </a:r>
+          </a:p>
+          <a:p>
+            <a:pPr lvl="1"/>
+            <a:r>
+              <a:rPr lang="en-US" dirty="0" smtClean="0"/>
+              <a:t>OVH does not authorize external access to its databases </a:t>
+            </a:r>
+          </a:p>
+          <a:p>
+            <a:r>
+              <a:rPr lang="en-US" dirty="0" smtClean="0"/>
+              <a:t>Run a script on OVH</a:t>
+            </a:r>
+          </a:p>
+          <a:p>
+            <a:pPr lvl="1"/>
+            <a:r>
+              <a:rPr lang="en-US" dirty="0" smtClean="0"/>
+              <a:t>OVH does not </a:t>
+            </a:r>
+            <a:r>
+              <a:rPr lang="en-US" dirty="0" smtClean="0"/>
+              <a:t>authorize some script </a:t>
+            </a:r>
+            <a:r>
+              <a:rPr lang="en-US" dirty="0" smtClean="0"/>
+              <a:t>commands</a:t>
+            </a:r>
+            <a:endParaRPr lang="en-US" dirty="0" smtClean="0"/>
           </a:p>
           <a:p>
             <a:endParaRPr lang="en-US" dirty="0"/>
@@ -11045,7 +12195,7 @@
     </p:spTree>
     <p:extLst>
       <p:ext uri="{BB962C8B-B14F-4D97-AF65-F5344CB8AC3E}">
-        <p14:creationId xmlns:p14="http://schemas.microsoft.com/office/powerpoint/2010/main" val="3929073780"/>
+        <p14:creationId xmlns:p14="http://schemas.microsoft.com/office/powerpoint/2010/main" val="2621545615"/>
       </p:ext>
     </p:extLst>
   </p:cSld>

--- a/projects/easyBackup/easyBackupPresentation.pptx
+++ b/projects/easyBackup/easyBackupPresentation.pptx
@@ -15,6 +15,7 @@
     <p:sldId id="268" r:id="rId9"/>
     <p:sldId id="263" r:id="rId10"/>
     <p:sldId id="264" r:id="rId11"/>
+    <p:sldId id="269" r:id="rId12"/>
   </p:sldIdLst>
   <p:sldSz cx="9144000" cy="6858000" type="screen4x3"/>
   <p:notesSz cx="6858000" cy="9144000"/>
@@ -9535,21 +9536,8 @@
                   <a:schemeClr val="accent3"/>
                 </a:solidFill>
               </a:rPr>
-              <a:t>Remote the OVH scripts from a local script (to let users run manually the scripts without being connected to OVH) and download files locally from the </a:t>
-            </a:r>
-            <a:r>
-              <a:rPr lang="en-US" dirty="0" smtClean="0">
-                <a:solidFill>
-                  <a:schemeClr val="accent3"/>
-                </a:solidFill>
-              </a:rPr>
-              <a:t>server (DONE)</a:t>
-            </a:r>
-            <a:endParaRPr lang="en-US" dirty="0" smtClean="0">
-              <a:solidFill>
-                <a:schemeClr val="accent3"/>
-              </a:solidFill>
-            </a:endParaRPr>
+              <a:t>Remote the OVH scripts from a local script (to let users run manually the scripts without being connected to OVH) and download files locally from the server (DONE)</a:t>
+            </a:r>
           </a:p>
           <a:p>
             <a:pPr lvl="1"/>
@@ -9576,60 +9564,175 @@
           </a:p>
         </p:txBody>
       </p:sp>
-      <p:sp>
-        <p:nvSpPr>
-          <p:cNvPr id="4" name="TextBox 3"/>
-          <p:cNvSpPr txBox="1"/>
-          <p:nvPr/>
-        </p:nvSpPr>
-        <p:spPr>
-          <a:xfrm>
-            <a:off x="498474" y="5812039"/>
-            <a:ext cx="7475712" cy="707886"/>
-          </a:xfrm>
-          <a:prstGeom prst="rect">
-            <a:avLst/>
-          </a:prstGeom>
-          <a:noFill/>
-        </p:spPr>
-        <p:txBody>
-          <a:bodyPr wrap="square" rtlCol="0">
-            <a:spAutoFit/>
-          </a:bodyPr>
-          <a:lstStyle/>
-          <a:p>
-            <a:pPr algn="ctr"/>
-            <a:r>
-              <a:rPr lang="en-US" sz="2000" dirty="0" smtClean="0">
+    </p:spTree>
+    <p:extLst>
+      <p:ext uri="{BB962C8B-B14F-4D97-AF65-F5344CB8AC3E}">
+        <p14:creationId xmlns:p14="http://schemas.microsoft.com/office/powerpoint/2010/main" val="2034318941"/>
+      </p:ext>
+    </p:extLst>
+  </p:cSld>
+  <p:clrMapOvr>
+    <a:masterClrMapping/>
+  </p:clrMapOvr>
+</p:sld>
+</file>
+
+<file path=ppt/slides/slide11.xml><?xml version="1.0" encoding="utf-8"?>
+<p:sld xmlns:a="http://schemas.openxmlformats.org/drawingml/2006/main" xmlns:r="http://schemas.openxmlformats.org/officeDocument/2006/relationships" xmlns:p="http://schemas.openxmlformats.org/presentationml/2006/main">
+  <p:cSld>
+    <p:spTree>
+      <p:nvGrpSpPr>
+        <p:cNvPr id="1" name=""/>
+        <p:cNvGrpSpPr/>
+        <p:nvPr/>
+      </p:nvGrpSpPr>
+      <p:grpSpPr>
+        <a:xfrm>
+          <a:off x="0" y="0"/>
+          <a:ext cx="0" cy="0"/>
+          <a:chOff x="0" y="0"/>
+          <a:chExt cx="0" cy="0"/>
+        </a:xfrm>
+      </p:grpSpPr>
+      <p:sp>
+        <p:nvSpPr>
+          <p:cNvPr id="2" name="Title 1"/>
+          <p:cNvSpPr>
+            <a:spLocks noGrp="1"/>
+          </p:cNvSpPr>
+          <p:nvPr>
+            <p:ph type="title"/>
+          </p:nvPr>
+        </p:nvSpPr>
+        <p:spPr/>
+        <p:txBody>
+          <a:bodyPr/>
+          <a:lstStyle/>
+          <a:p>
+            <a:r>
+              <a:rPr lang="en-US" dirty="0" smtClean="0"/>
+              <a:t>Thank you</a:t>
+            </a:r>
+            <a:endParaRPr lang="en-US" dirty="0"/>
+          </a:p>
+        </p:txBody>
+      </p:sp>
+      <p:sp>
+        <p:nvSpPr>
+          <p:cNvPr id="3" name="Content Placeholder 2"/>
+          <p:cNvSpPr>
+            <a:spLocks noGrp="1"/>
+          </p:cNvSpPr>
+          <p:nvPr>
+            <p:ph idx="1"/>
+          </p:nvPr>
+        </p:nvSpPr>
+        <p:spPr/>
+        <p:txBody>
+          <a:bodyPr/>
+          <a:lstStyle/>
+          <a:p>
+            <a:pPr marL="0" indent="0" algn="ctr">
+              <a:buNone/>
+            </a:pPr>
+            <a:r>
+              <a:rPr lang="en-US" dirty="0">
                 <a:solidFill>
                   <a:schemeClr val="accent1"/>
                 </a:solidFill>
               </a:rPr>
-              <a:t>Do not forget to see our video demonstration !</a:t>
-            </a:r>
-          </a:p>
-          <a:p>
-            <a:pPr algn="ctr"/>
-            <a:r>
-              <a:rPr lang="en-US" sz="2000" dirty="0" smtClean="0">
+              <a:t>Do not forget to see our video demonstration about easyBackup VS FileZilla </a:t>
+            </a:r>
+            <a:r>
+              <a:rPr lang="en-US" dirty="0" smtClean="0">
                 <a:solidFill>
                   <a:schemeClr val="accent1"/>
                 </a:solidFill>
               </a:rPr>
-              <a:t>- Thanks -</a:t>
-            </a:r>
-            <a:endParaRPr lang="en-US" sz="2000" dirty="0">
+              <a:t>(on </a:t>
+            </a:r>
+            <a:r>
+              <a:rPr lang="en-US" dirty="0">
+                <a:solidFill>
+                  <a:schemeClr val="accent1"/>
+                </a:solidFill>
+              </a:rPr>
+              <a:t>G</a:t>
+            </a:r>
+            <a:r>
+              <a:rPr lang="en-US" dirty="0" smtClean="0">
+                <a:solidFill>
+                  <a:schemeClr val="accent1"/>
+                </a:solidFill>
+              </a:rPr>
+              <a:t>ithub) !</a:t>
+            </a:r>
+            <a:endParaRPr lang="en-US" dirty="0">
               <a:solidFill>
                 <a:schemeClr val="accent1"/>
               </a:solidFill>
             </a:endParaRPr>
           </a:p>
+          <a:p>
+            <a:pPr marL="0" indent="0" algn="ctr">
+              <a:buNone/>
+            </a:pPr>
+            <a:endParaRPr lang="en-US" dirty="0" smtClean="0">
+              <a:solidFill>
+                <a:schemeClr val="accent1"/>
+              </a:solidFill>
+            </a:endParaRPr>
+          </a:p>
+          <a:p>
+            <a:pPr marL="0" indent="0" algn="ctr">
+              <a:buNone/>
+            </a:pPr>
+            <a:endParaRPr lang="en-US" dirty="0">
+              <a:solidFill>
+                <a:schemeClr val="accent1"/>
+              </a:solidFill>
+            </a:endParaRPr>
+          </a:p>
+          <a:p>
+            <a:pPr marL="0" indent="0" algn="ctr">
+              <a:buNone/>
+            </a:pPr>
+            <a:endParaRPr lang="en-US" dirty="0" smtClean="0">
+              <a:solidFill>
+                <a:schemeClr val="accent1"/>
+              </a:solidFill>
+            </a:endParaRPr>
+          </a:p>
+          <a:p>
+            <a:pPr marL="0" indent="0" algn="ctr">
+              <a:buNone/>
+            </a:pPr>
+            <a:r>
+              <a:rPr lang="en-US" dirty="0" smtClean="0">
+                <a:solidFill>
+                  <a:schemeClr val="accent1"/>
+                </a:solidFill>
+              </a:rPr>
+              <a:t>- </a:t>
+            </a:r>
+            <a:r>
+              <a:rPr lang="en-US" dirty="0">
+                <a:solidFill>
+                  <a:schemeClr val="accent1"/>
+                </a:solidFill>
+              </a:rPr>
+              <a:t>Thanks -</a:t>
+            </a:r>
+          </a:p>
+          <a:p>
+            <a:endParaRPr lang="en-US" dirty="0"/>
+          </a:p>
         </p:txBody>
       </p:sp>
     </p:spTree>
     <p:extLst>
       <p:ext uri="{BB962C8B-B14F-4D97-AF65-F5344CB8AC3E}">
-        <p14:creationId xmlns:p14="http://schemas.microsoft.com/office/powerpoint/2010/main" val="2034318941"/>
+        <p14:creationId xmlns:p14="http://schemas.microsoft.com/office/powerpoint/2010/main" val="642771234"/>
       </p:ext>
     </p:extLst>
   </p:cSld>
@@ -9999,15 +10102,7 @@
           <a:p>
             <a:r>
               <a:rPr lang="en-US" dirty="0" smtClean="0"/>
-              <a:t>Script to </a:t>
-            </a:r>
-            <a:r>
-              <a:rPr lang="en-US" dirty="0" smtClean="0"/>
-              <a:t>synchronize </a:t>
-            </a:r>
-            <a:r>
-              <a:rPr lang="en-US" dirty="0" smtClean="0"/>
-              <a:t>folders</a:t>
+              <a:t>Script to synchronize folders</a:t>
             </a:r>
             <a:endParaRPr lang="en-US" dirty="0"/>
           </a:p>
@@ -10113,11 +10208,7 @@
           <a:p>
             <a:r>
               <a:rPr lang="en-US" noProof="1" smtClean="0"/>
-              <a:t>Optional : save </a:t>
-            </a:r>
-            <a:r>
-              <a:rPr lang="en-US" noProof="1" smtClean="0"/>
-              <a:t>logs reports (including errors) in a separate </a:t>
+              <a:t>Optional : save logs reports (including errors) in a separate </a:t>
             </a:r>
             <a:r>
               <a:rPr lang="en-US" noProof="1" smtClean="0">
@@ -10220,11 +10311,7 @@
           <a:p>
             <a:r>
               <a:rPr lang="en-US" dirty="0" smtClean="0"/>
-              <a:t>Initialize </a:t>
-            </a:r>
-            <a:r>
-              <a:rPr lang="en-US" dirty="0" smtClean="0"/>
-              <a:t>the variables</a:t>
+              <a:t>Initialize the variables</a:t>
             </a:r>
             <a:br>
               <a:rPr lang="en-US" dirty="0" smtClean="0"/>
@@ -10322,15 +10409,7 @@
                   <a:srgbClr val="595959"/>
                 </a:solidFill>
               </a:rPr>
-              <a:t>efine </a:t>
-            </a:r>
-            <a:r>
-              <a:rPr lang="en-US" dirty="0" smtClean="0">
-                <a:solidFill>
-                  <a:srgbClr val="595959"/>
-                </a:solidFill>
-              </a:rPr>
-              <a:t>in a variable a folder in which to save the BDD dumb</a:t>
+              <a:t>efine in a variable a folder in which to save the BDD dumb</a:t>
             </a:r>
             <a:br>
               <a:rPr lang="en-US" dirty="0" smtClean="0">
@@ -10402,15 +10481,7 @@
                   <a:srgbClr val="595959"/>
                 </a:solidFill>
               </a:rPr>
-              <a:t>Accord permissions to </a:t>
-            </a:r>
-            <a:r>
-              <a:rPr lang="en-US" dirty="0" smtClean="0">
-                <a:solidFill>
-                  <a:srgbClr val="595959"/>
-                </a:solidFill>
-              </a:rPr>
-              <a:t>the owner only (we set “1”)</a:t>
+              <a:t>Accord permissions to the owner only (we set “1”)</a:t>
             </a:r>
             <a:br>
               <a:rPr lang="en-US" dirty="0" smtClean="0">
@@ -10443,15 +10514,7 @@
                   <a:srgbClr val="595959"/>
                 </a:solidFill>
               </a:rPr>
-              <a:t>Dump the </a:t>
-            </a:r>
-            <a:r>
-              <a:rPr lang="en-US" dirty="0" smtClean="0">
-                <a:solidFill>
-                  <a:srgbClr val="595959"/>
-                </a:solidFill>
-              </a:rPr>
-              <a:t>SQL database</a:t>
+              <a:t>Dump the SQL database</a:t>
             </a:r>
             <a:br>
               <a:rPr lang="en-US" dirty="0" smtClean="0">
@@ -10632,18 +10695,7 @@
                   </a:schemeClr>
                 </a:solidFill>
               </a:rPr>
-              <a:t>The backups are saved </a:t>
-            </a:r>
-            <a:r>
-              <a:rPr lang="en-US" sz="2000" dirty="0" smtClean="0">
-                <a:solidFill>
-                  <a:schemeClr val="tx1">
-                    <a:lumMod val="65000"/>
-                    <a:lumOff val="35000"/>
-                  </a:schemeClr>
-                </a:solidFill>
-              </a:rPr>
-              <a:t>into a well organized folder</a:t>
+              <a:t>The backups are saved into a well organized folder</a:t>
             </a:r>
             <a:endParaRPr lang="en-US" sz="2000" dirty="0">
               <a:solidFill>
@@ -10881,51 +10933,7 @@
                   </a:schemeClr>
                 </a:solidFill>
               </a:rPr>
-              <a:t>The date and hour </a:t>
-            </a:r>
-            <a:r>
-              <a:rPr lang="en-US" dirty="0" smtClean="0">
-                <a:solidFill>
-                  <a:schemeClr val="tx1">
-                    <a:lumMod val="50000"/>
-                    <a:lumOff val="50000"/>
-                  </a:schemeClr>
-                </a:solidFill>
-              </a:rPr>
-              <a:t>are</a:t>
-            </a:r>
-            <a:r>
-              <a:rPr lang="en-US" dirty="0" smtClean="0">
-                <a:solidFill>
-                  <a:schemeClr val="tx1">
-                    <a:lumMod val="50000"/>
-                    <a:lumOff val="50000"/>
-                  </a:schemeClr>
-                </a:solidFill>
-              </a:rPr>
-              <a:t> </a:t>
-            </a:r>
-            <a:r>
-              <a:rPr lang="en-US" dirty="0" smtClean="0">
-                <a:solidFill>
-                  <a:schemeClr val="tx1">
-                    <a:lumMod val="50000"/>
-                    <a:lumOff val="50000"/>
-                  </a:schemeClr>
-                </a:solidFill>
-              </a:rPr>
-              <a:t>added to the </a:t>
-            </a:r>
-            <a:r>
-              <a:rPr lang="en-US" dirty="0" smtClean="0">
-                <a:solidFill>
-                  <a:schemeClr val="tx1">
-                    <a:lumMod val="50000"/>
-                    <a:lumOff val="50000"/>
-                  </a:schemeClr>
-                </a:solidFill>
-              </a:rPr>
-              <a:t>created folders</a:t>
+              <a:t>The date and hour are added to the created folders</a:t>
             </a:r>
             <a:endParaRPr lang="en-US" dirty="0">
               <a:solidFill>
@@ -12175,17 +12183,8 @@
             <a:pPr lvl="1"/>
             <a:r>
               <a:rPr lang="en-US" dirty="0" smtClean="0"/>
-              <a:t>OVH does not </a:t>
-            </a:r>
-            <a:r>
-              <a:rPr lang="en-US" dirty="0" smtClean="0"/>
-              <a:t>authorize some script </a:t>
-            </a:r>
-            <a:r>
-              <a:rPr lang="en-US" dirty="0" smtClean="0"/>
-              <a:t>commands</a:t>
-            </a:r>
-            <a:endParaRPr lang="en-US" dirty="0" smtClean="0"/>
+              <a:t>OVH does not authorize some script commands</a:t>
+            </a:r>
           </a:p>
           <a:p>
             <a:endParaRPr lang="en-US" dirty="0"/>

--- a/projects/easyBackup/easyBackupPresentation.pptx
+++ b/projects/easyBackup/easyBackupPresentation.pptx
@@ -318,7 +318,7 @@
           <a:p>
             <a:fld id="{D728701E-CAF4-4159-9B3E-41C86DFFA30D}" type="datetimeFigureOut">
               <a:rPr lang="en-US" smtClean="0"/>
-              <a:t>12/06/2014</a:t>
+              <a:t>13/06/2014</a:t>
             </a:fld>
             <a:endParaRPr lang="en-US"/>
           </a:p>
@@ -772,7 +772,7 @@
           <a:p>
             <a:fld id="{D728701E-CAF4-4159-9B3E-41C86DFFA30D}" type="datetimeFigureOut">
               <a:rPr lang="en-US" smtClean="0"/>
-              <a:t>12/06/2014</a:t>
+              <a:t>13/06/2014</a:t>
             </a:fld>
             <a:endParaRPr lang="en-US"/>
           </a:p>
@@ -1427,7 +1427,7 @@
           <a:p>
             <a:fld id="{D728701E-CAF4-4159-9B3E-41C86DFFA30D}" type="datetimeFigureOut">
               <a:rPr lang="en-US" smtClean="0"/>
-              <a:t>12/06/2014</a:t>
+              <a:t>13/06/2014</a:t>
             </a:fld>
             <a:endParaRPr lang="en-US"/>
           </a:p>
@@ -1563,7 +1563,7 @@
           <a:p>
             <a:fld id="{D728701E-CAF4-4159-9B3E-41C86DFFA30D}" type="datetimeFigureOut">
               <a:rPr lang="en-US" smtClean="0"/>
-              <a:t>12/06/2014</a:t>
+              <a:t>13/06/2014</a:t>
             </a:fld>
             <a:endParaRPr lang="en-US"/>
           </a:p>
@@ -1929,7 +1929,7 @@
           <a:p>
             <a:fld id="{D728701E-CAF4-4159-9B3E-41C86DFFA30D}" type="datetimeFigureOut">
               <a:rPr lang="en-US" smtClean="0"/>
-              <a:t>12/06/2014</a:t>
+              <a:t>13/06/2014</a:t>
             </a:fld>
             <a:endParaRPr lang="en-US"/>
           </a:p>
@@ -2255,7 +2255,7 @@
           <a:p>
             <a:fld id="{D728701E-CAF4-4159-9B3E-41C86DFFA30D}" type="datetimeFigureOut">
               <a:rPr lang="en-US" smtClean="0"/>
-              <a:t>12/06/2014</a:t>
+              <a:t>13/06/2014</a:t>
             </a:fld>
             <a:endParaRPr lang="en-US"/>
           </a:p>
@@ -2553,7 +2553,7 @@
           <a:p>
             <a:fld id="{D728701E-CAF4-4159-9B3E-41C86DFFA30D}" type="datetimeFigureOut">
               <a:rPr lang="en-US" smtClean="0"/>
-              <a:t>12/06/2014</a:t>
+              <a:t>13/06/2014</a:t>
             </a:fld>
             <a:endParaRPr lang="en-US"/>
           </a:p>
@@ -2940,7 +2940,7 @@
           <a:p>
             <a:fld id="{D728701E-CAF4-4159-9B3E-41C86DFFA30D}" type="datetimeFigureOut">
               <a:rPr lang="en-US" smtClean="0"/>
-              <a:t>12/06/2014</a:t>
+              <a:t>13/06/2014</a:t>
             </a:fld>
             <a:endParaRPr lang="en-US"/>
           </a:p>
@@ -3360,7 +3360,7 @@
           <a:p>
             <a:fld id="{D728701E-CAF4-4159-9B3E-41C86DFFA30D}" type="datetimeFigureOut">
               <a:rPr lang="en-US" smtClean="0"/>
-              <a:t>12/06/2014</a:t>
+              <a:t>13/06/2014</a:t>
             </a:fld>
             <a:endParaRPr lang="en-US"/>
           </a:p>
@@ -3908,7 +3908,7 @@
           <a:p>
             <a:fld id="{D728701E-CAF4-4159-9B3E-41C86DFFA30D}" type="datetimeFigureOut">
               <a:rPr lang="en-US" smtClean="0"/>
-              <a:t>12/06/2014</a:t>
+              <a:t>13/06/2014</a:t>
             </a:fld>
             <a:endParaRPr lang="en-US"/>
           </a:p>
@@ -4294,7 +4294,7 @@
           <a:p>
             <a:fld id="{D728701E-CAF4-4159-9B3E-41C86DFFA30D}" type="datetimeFigureOut">
               <a:rPr lang="en-US" smtClean="0"/>
-              <a:t>12/06/2014</a:t>
+              <a:t>13/06/2014</a:t>
             </a:fld>
             <a:endParaRPr lang="en-US"/>
           </a:p>
@@ -4537,7 +4537,7 @@
           <a:p>
             <a:fld id="{D728701E-CAF4-4159-9B3E-41C86DFFA30D}" type="datetimeFigureOut">
               <a:rPr lang="en-US" smtClean="0"/>
-              <a:t>12/06/2014</a:t>
+              <a:t>13/06/2014</a:t>
             </a:fld>
             <a:endParaRPr lang="en-US"/>
           </a:p>
@@ -4872,7 +4872,7 @@
           <a:p>
             <a:fld id="{D728701E-CAF4-4159-9B3E-41C86DFFA30D}" type="datetimeFigureOut">
               <a:rPr lang="en-US" smtClean="0"/>
-              <a:t>12/06/2014</a:t>
+              <a:t>13/06/2014</a:t>
             </a:fld>
             <a:endParaRPr lang="en-US"/>
           </a:p>
@@ -5156,7 +5156,7 @@
           <a:p>
             <a:fld id="{D728701E-CAF4-4159-9B3E-41C86DFFA30D}" type="datetimeFigureOut">
               <a:rPr lang="en-US" smtClean="0"/>
-              <a:t>12/06/2014</a:t>
+              <a:t>13/06/2014</a:t>
             </a:fld>
             <a:endParaRPr lang="en-US"/>
           </a:p>
@@ -5545,7 +5545,7 @@
           <a:p>
             <a:fld id="{D728701E-CAF4-4159-9B3E-41C86DFFA30D}" type="datetimeFigureOut">
               <a:rPr lang="en-US" smtClean="0"/>
-              <a:t>12/06/2014</a:t>
+              <a:t>13/06/2014</a:t>
             </a:fld>
             <a:endParaRPr lang="en-US"/>
           </a:p>
@@ -6134,7 +6134,7 @@
           <a:p>
             <a:fld id="{D728701E-CAF4-4159-9B3E-41C86DFFA30D}" type="datetimeFigureOut">
               <a:rPr lang="en-US" smtClean="0"/>
-              <a:t>12/06/2014</a:t>
+              <a:t>13/06/2014</a:t>
             </a:fld>
             <a:endParaRPr lang="en-US"/>
           </a:p>
@@ -6705,7 +6705,7 @@
           <a:p>
             <a:fld id="{D728701E-CAF4-4159-9B3E-41C86DFFA30D}" type="datetimeFigureOut">
               <a:rPr lang="en-US" smtClean="0"/>
-              <a:t>12/06/2014</a:t>
+              <a:t>13/06/2014</a:t>
             </a:fld>
             <a:endParaRPr lang="en-US"/>
           </a:p>
@@ -7134,7 +7134,7 @@
           <a:p>
             <a:fld id="{D728701E-CAF4-4159-9B3E-41C86DFFA30D}" type="datetimeFigureOut">
               <a:rPr lang="en-US" smtClean="0"/>
-              <a:t>12/06/2014</a:t>
+              <a:t>13/06/2014</a:t>
             </a:fld>
             <a:endParaRPr lang="en-US"/>
           </a:p>
@@ -7561,7 +7561,7 @@
           <a:p>
             <a:fld id="{D728701E-CAF4-4159-9B3E-41C86DFFA30D}" type="datetimeFigureOut">
               <a:rPr lang="en-US" smtClean="0"/>
-              <a:t>12/06/2014</a:t>
+              <a:t>13/06/2014</a:t>
             </a:fld>
             <a:endParaRPr lang="en-US"/>
           </a:p>
@@ -8037,7 +8037,7 @@
           <a:p>
             <a:fld id="{D728701E-CAF4-4159-9B3E-41C86DFFA30D}" type="datetimeFigureOut">
               <a:rPr lang="en-US" smtClean="0"/>
-              <a:t>12/06/2014</a:t>
+              <a:t>13/06/2014</a:t>
             </a:fld>
             <a:endParaRPr lang="en-US"/>
           </a:p>
@@ -8504,7 +8504,7 @@
           <a:p>
             <a:fld id="{D728701E-CAF4-4159-9B3E-41C86DFFA30D}" type="datetimeFigureOut">
               <a:rPr lang="en-US" smtClean="0"/>
-              <a:t>12/06/2014</a:t>
+              <a:t>13/06/2014</a:t>
             </a:fld>
             <a:endParaRPr lang="en-US"/>
           </a:p>
@@ -9119,7 +9119,7 @@
         </p:nvSpPr>
         <p:spPr>
           <a:xfrm>
-            <a:off x="2332012" y="5930492"/>
+            <a:off x="2332012" y="5953376"/>
             <a:ext cx="3438649" cy="307777"/>
           </a:xfrm>
           <a:prstGeom prst="rect">
